--- a/《PHP核心技术与最佳实践》第3章--正则表达式基础与应用/3.2 正则表达式中的元字符.pptx
+++ b/《PHP核心技术与最佳实践》第3章--正则表达式基础与应用/3.2 正则表达式中的元字符.pptx
@@ -10,25 +10,27 @@
     <p:sldId id="259" r:id="rId4"/>
     <p:sldId id="258" r:id="rId5"/>
     <p:sldId id="260" r:id="rId6"/>
-    <p:sldId id="261" r:id="rId7"/>
-    <p:sldId id="262" r:id="rId8"/>
-    <p:sldId id="263" r:id="rId9"/>
-    <p:sldId id="264" r:id="rId10"/>
-    <p:sldId id="265" r:id="rId11"/>
-    <p:sldId id="266" r:id="rId12"/>
-    <p:sldId id="267" r:id="rId13"/>
-    <p:sldId id="268" r:id="rId14"/>
-    <p:sldId id="269" r:id="rId15"/>
-    <p:sldId id="270" r:id="rId16"/>
-    <p:sldId id="271" r:id="rId17"/>
-    <p:sldId id="272" r:id="rId18"/>
-    <p:sldId id="273" r:id="rId19"/>
-    <p:sldId id="274" r:id="rId20"/>
-    <p:sldId id="275" r:id="rId21"/>
-    <p:sldId id="276" r:id="rId22"/>
-    <p:sldId id="277" r:id="rId23"/>
-    <p:sldId id="278" r:id="rId24"/>
-    <p:sldId id="279" r:id="rId25"/>
+    <p:sldId id="280" r:id="rId7"/>
+    <p:sldId id="261" r:id="rId8"/>
+    <p:sldId id="262" r:id="rId9"/>
+    <p:sldId id="263" r:id="rId10"/>
+    <p:sldId id="281" r:id="rId11"/>
+    <p:sldId id="264" r:id="rId12"/>
+    <p:sldId id="265" r:id="rId13"/>
+    <p:sldId id="266" r:id="rId14"/>
+    <p:sldId id="267" r:id="rId15"/>
+    <p:sldId id="268" r:id="rId16"/>
+    <p:sldId id="269" r:id="rId17"/>
+    <p:sldId id="270" r:id="rId18"/>
+    <p:sldId id="271" r:id="rId19"/>
+    <p:sldId id="272" r:id="rId20"/>
+    <p:sldId id="273" r:id="rId21"/>
+    <p:sldId id="274" r:id="rId22"/>
+    <p:sldId id="275" r:id="rId23"/>
+    <p:sldId id="276" r:id="rId24"/>
+    <p:sldId id="277" r:id="rId25"/>
+    <p:sldId id="278" r:id="rId26"/>
+    <p:sldId id="279" r:id="rId27"/>
   </p:sldIdLst>
   <p:sldSz cx="9144000" cy="6858000" type="screen4x3"/>
   <p:notesSz cx="6858000" cy="9144000"/>
@@ -137,9 +139,11 @@
             <p14:sldId id="259"/>
             <p14:sldId id="258"/>
             <p14:sldId id="260"/>
+            <p14:sldId id="280"/>
             <p14:sldId id="261"/>
             <p14:sldId id="262"/>
             <p14:sldId id="263"/>
+            <p14:sldId id="281"/>
             <p14:sldId id="264"/>
             <p14:sldId id="265"/>
             <p14:sldId id="266"/>
@@ -345,7 +349,7 @@
           <a:p>
             <a:fld id="{530820CF-B880-4189-942D-D702A7CBA730}" type="datetimeFigureOut">
               <a:rPr lang="zh-CN" altLang="en-US" smtClean="0"/>
-              <a:t>2018/3/8</a:t>
+              <a:t>2018/3/19</a:t>
             </a:fld>
             <a:endParaRPr lang="zh-CN" altLang="en-US"/>
           </a:p>
@@ -510,7 +514,7 @@
           <a:p>
             <a:fld id="{530820CF-B880-4189-942D-D702A7CBA730}" type="datetimeFigureOut">
               <a:rPr lang="zh-CN" altLang="en-US" smtClean="0"/>
-              <a:t>2018/3/8</a:t>
+              <a:t>2018/3/19</a:t>
             </a:fld>
             <a:endParaRPr lang="zh-CN" altLang="en-US"/>
           </a:p>
@@ -685,7 +689,7 @@
           <a:p>
             <a:fld id="{530820CF-B880-4189-942D-D702A7CBA730}" type="datetimeFigureOut">
               <a:rPr lang="zh-CN" altLang="en-US" smtClean="0"/>
-              <a:t>2018/3/8</a:t>
+              <a:t>2018/3/19</a:t>
             </a:fld>
             <a:endParaRPr lang="zh-CN" altLang="en-US"/>
           </a:p>
@@ -850,7 +854,7 @@
           <a:p>
             <a:fld id="{530820CF-B880-4189-942D-D702A7CBA730}" type="datetimeFigureOut">
               <a:rPr lang="zh-CN" altLang="en-US" smtClean="0"/>
-              <a:t>2018/3/8</a:t>
+              <a:t>2018/3/19</a:t>
             </a:fld>
             <a:endParaRPr lang="zh-CN" altLang="en-US"/>
           </a:p>
@@ -1091,7 +1095,7 @@
           <a:p>
             <a:fld id="{530820CF-B880-4189-942D-D702A7CBA730}" type="datetimeFigureOut">
               <a:rPr lang="zh-CN" altLang="en-US" smtClean="0"/>
-              <a:t>2018/3/8</a:t>
+              <a:t>2018/3/19</a:t>
             </a:fld>
             <a:endParaRPr lang="zh-CN" altLang="en-US"/>
           </a:p>
@@ -1374,7 +1378,7 @@
           <a:p>
             <a:fld id="{530820CF-B880-4189-942D-D702A7CBA730}" type="datetimeFigureOut">
               <a:rPr lang="zh-CN" altLang="en-US" smtClean="0"/>
-              <a:t>2018/3/8</a:t>
+              <a:t>2018/3/19</a:t>
             </a:fld>
             <a:endParaRPr lang="zh-CN" altLang="en-US"/>
           </a:p>
@@ -1791,7 +1795,7 @@
           <a:p>
             <a:fld id="{530820CF-B880-4189-942D-D702A7CBA730}" type="datetimeFigureOut">
               <a:rPr lang="zh-CN" altLang="en-US" smtClean="0"/>
-              <a:t>2018/3/8</a:t>
+              <a:t>2018/3/19</a:t>
             </a:fld>
             <a:endParaRPr lang="zh-CN" altLang="en-US"/>
           </a:p>
@@ -1904,7 +1908,7 @@
           <a:p>
             <a:fld id="{530820CF-B880-4189-942D-D702A7CBA730}" type="datetimeFigureOut">
               <a:rPr lang="zh-CN" altLang="en-US" smtClean="0"/>
-              <a:t>2018/3/8</a:t>
+              <a:t>2018/3/19</a:t>
             </a:fld>
             <a:endParaRPr lang="zh-CN" altLang="en-US"/>
           </a:p>
@@ -1994,7 +1998,7 @@
           <a:p>
             <a:fld id="{530820CF-B880-4189-942D-D702A7CBA730}" type="datetimeFigureOut">
               <a:rPr lang="zh-CN" altLang="en-US" smtClean="0"/>
-              <a:t>2018/3/8</a:t>
+              <a:t>2018/3/19</a:t>
             </a:fld>
             <a:endParaRPr lang="zh-CN" altLang="en-US"/>
           </a:p>
@@ -2266,7 +2270,7 @@
           <a:p>
             <a:fld id="{530820CF-B880-4189-942D-D702A7CBA730}" type="datetimeFigureOut">
               <a:rPr lang="zh-CN" altLang="en-US" smtClean="0"/>
-              <a:t>2018/3/8</a:t>
+              <a:t>2018/3/19</a:t>
             </a:fld>
             <a:endParaRPr lang="zh-CN" altLang="en-US"/>
           </a:p>
@@ -2514,7 +2518,7 @@
           <a:p>
             <a:fld id="{530820CF-B880-4189-942D-D702A7CBA730}" type="datetimeFigureOut">
               <a:rPr lang="zh-CN" altLang="en-US" smtClean="0"/>
-              <a:t>2018/3/8</a:t>
+              <a:t>2018/3/19</a:t>
             </a:fld>
             <a:endParaRPr lang="zh-CN" altLang="en-US"/>
           </a:p>
@@ -2722,7 +2726,7 @@
           <a:p>
             <a:fld id="{530820CF-B880-4189-942D-D702A7CBA730}" type="datetimeFigureOut">
               <a:rPr lang="zh-CN" altLang="en-US" smtClean="0"/>
-              <a:t>2018/3/8</a:t>
+              <a:t>2018/3/19</a:t>
             </a:fld>
             <a:endParaRPr lang="zh-CN" altLang="en-US"/>
           </a:p>
@@ -3261,6 +3265,440 @@
           <a:lstStyle/>
           <a:p>
             <a:r>
+              <a:rPr lang="zh-CN" altLang="en-US" sz="1400" dirty="0" smtClean="0"/>
+              <a:t>其实这个正则也不太对，因为</a:t>
+            </a:r>
+            <a:r>
+              <a:rPr lang="en-US" altLang="zh-CN" sz="1400" dirty="0" smtClean="0"/>
+              <a:t>\w</a:t>
+            </a:r>
+            <a:r>
+              <a:rPr lang="zh-CN" altLang="en-US" sz="1400" dirty="0" smtClean="0"/>
+              <a:t>的概念为</a:t>
+            </a:r>
+            <a:r>
+              <a:rPr lang="en-US" altLang="zh-CN" sz="1400" dirty="0" smtClean="0"/>
+              <a:t>:</a:t>
+            </a:r>
+          </a:p>
+          <a:p>
+            <a:r>
+              <a:rPr lang="zh-CN" altLang="en-US" sz="1400" dirty="0" smtClean="0"/>
+              <a:t>匹配字母、数字、汉字、下划线。而需求中要求的是：只能匹配字母。</a:t>
+            </a:r>
+            <a:endParaRPr lang="en-US" altLang="zh-CN" sz="1400" dirty="0" smtClean="0"/>
+          </a:p>
+          <a:p>
+            <a:r>
+              <a:rPr lang="zh-CN" altLang="en-US" sz="1400" dirty="0" smtClean="0"/>
+              <a:t>所以正确答案应该是</a:t>
+            </a:r>
+            <a:r>
+              <a:rPr lang="en-US" altLang="zh-CN" sz="1400" dirty="0" smtClean="0"/>
+              <a:t>:</a:t>
+            </a:r>
+          </a:p>
+          <a:p>
+            <a:r>
+              <a:rPr lang="en-US" altLang="zh-CN" sz="1400" dirty="0" smtClean="0"/>
+              <a:t>\</a:t>
+            </a:r>
+            <a:r>
+              <a:rPr lang="en-US" altLang="zh-CN" sz="1400" dirty="0" err="1" smtClean="0"/>
+              <a:t>ba</a:t>
+            </a:r>
+            <a:r>
+              <a:rPr lang="en-US" altLang="zh-CN" sz="1400" dirty="0" smtClean="0"/>
+              <a:t>[a-z]*\b</a:t>
+            </a:r>
+          </a:p>
+          <a:p>
+            <a:r>
+              <a:rPr lang="zh-CN" altLang="en-US" sz="1400" dirty="0" smtClean="0"/>
+              <a:t>表达式和文本见</a:t>
+            </a:r>
+            <a:r>
+              <a:rPr lang="en-US" altLang="zh-CN" sz="1400" dirty="0" smtClean="0"/>
+              <a:t>regularExpression7.log</a:t>
+            </a:r>
+            <a:endParaRPr lang="zh-CN" altLang="en-US" sz="1400" dirty="0"/>
+          </a:p>
+        </p:txBody>
+      </p:sp>
+      <p:pic>
+        <p:nvPicPr>
+          <p:cNvPr id="1026" name="Picture 2"/>
+          <p:cNvPicPr>
+            <a:picLocks noChangeAspect="1" noChangeArrowheads="1"/>
+          </p:cNvPicPr>
+          <p:nvPr/>
+        </p:nvPicPr>
+        <p:blipFill>
+          <a:blip r:embed="rId2">
+            <a:extLst>
+              <a:ext uri="{28A0092B-C50C-407E-A947-70E740481C1C}">
+                <a14:useLocalDpi xmlns:a14="http://schemas.microsoft.com/office/drawing/2010/main" val="0"/>
+              </a:ext>
+            </a:extLst>
+          </a:blip>
+          <a:srcRect/>
+          <a:stretch>
+            <a:fillRect/>
+          </a:stretch>
+        </p:blipFill>
+        <p:spPr bwMode="auto">
+          <a:xfrm>
+            <a:off x="0" y="2996952"/>
+            <a:ext cx="5791200" cy="4724400"/>
+          </a:xfrm>
+          <a:prstGeom prst="rect">
+            <a:avLst/>
+          </a:prstGeom>
+          <a:noFill/>
+          <a:ln>
+            <a:noFill/>
+          </a:ln>
+          <a:effectLst/>
+          <a:extLst>
+            <a:ext uri="{909E8E84-426E-40DD-AFC4-6F175D3DCCD1}">
+              <a14:hiddenFill xmlns:a14="http://schemas.microsoft.com/office/drawing/2010/main">
+                <a:solidFill>
+                  <a:schemeClr val="accent1"/>
+                </a:solidFill>
+              </a14:hiddenFill>
+            </a:ext>
+            <a:ext uri="{91240B29-F687-4F45-9708-019B960494DF}">
+              <a14:hiddenLine xmlns:a14="http://schemas.microsoft.com/office/drawing/2010/main" w="9525">
+                <a:solidFill>
+                  <a:schemeClr val="tx1"/>
+                </a:solidFill>
+                <a:miter lim="800000"/>
+                <a:headEnd/>
+                <a:tailEnd/>
+              </a14:hiddenLine>
+            </a:ext>
+            <a:ext uri="{AF507438-7753-43E0-B8FC-AC1667EBCBE1}">
+              <a14:hiddenEffects xmlns:a14="http://schemas.microsoft.com/office/drawing/2010/main">
+                <a:effectLst>
+                  <a:outerShdw dist="35921" dir="2700000" algn="ctr" rotWithShape="0">
+                    <a:schemeClr val="bg2"/>
+                  </a:outerShdw>
+                </a:effectLst>
+              </a14:hiddenEffects>
+            </a:ext>
+          </a:extLst>
+        </p:spPr>
+      </p:pic>
+    </p:spTree>
+    <p:extLst>
+      <p:ext uri="{BB962C8B-B14F-4D97-AF65-F5344CB8AC3E}">
+        <p14:creationId xmlns:p14="http://schemas.microsoft.com/office/powerpoint/2010/main" val="2799245990"/>
+      </p:ext>
+    </p:extLst>
+  </p:cSld>
+  <p:clrMapOvr>
+    <a:masterClrMapping/>
+  </p:clrMapOvr>
+</p:sld>
+</file>
+
+<file path=ppt/slides/slide11.xml><?xml version="1.0" encoding="utf-8"?>
+<p:sld xmlns:a="http://schemas.openxmlformats.org/drawingml/2006/main" xmlns:r="http://schemas.openxmlformats.org/officeDocument/2006/relationships" xmlns:p="http://schemas.openxmlformats.org/presentationml/2006/main">
+  <p:cSld>
+    <p:spTree>
+      <p:nvGrpSpPr>
+        <p:cNvPr id="1" name=""/>
+        <p:cNvGrpSpPr/>
+        <p:nvPr/>
+      </p:nvGrpSpPr>
+      <p:grpSpPr>
+        <a:xfrm>
+          <a:off x="0" y="0"/>
+          <a:ext cx="0" cy="0"/>
+          <a:chOff x="0" y="0"/>
+          <a:chExt cx="0" cy="0"/>
+        </a:xfrm>
+      </p:grpSpPr>
+      <p:sp>
+        <p:nvSpPr>
+          <p:cNvPr id="2" name="标题 1"/>
+          <p:cNvSpPr>
+            <a:spLocks noGrp="1"/>
+          </p:cNvSpPr>
+          <p:nvPr>
+            <p:ph type="title"/>
+          </p:nvPr>
+        </p:nvSpPr>
+        <p:spPr/>
+        <p:txBody>
+          <a:bodyPr/>
+          <a:lstStyle/>
+          <a:p>
+            <a:r>
+              <a:rPr lang="en-US" altLang="zh-CN" dirty="0"/>
+              <a:t>3.2.1 </a:t>
+            </a:r>
+            <a:r>
+              <a:rPr lang="zh-CN" altLang="en-US" dirty="0"/>
+              <a:t>什么是元字符</a:t>
+            </a:r>
+          </a:p>
+        </p:txBody>
+      </p:sp>
+      <p:sp>
+        <p:nvSpPr>
+          <p:cNvPr id="3" name="内容占位符 2"/>
+          <p:cNvSpPr>
+            <a:spLocks noGrp="1"/>
+          </p:cNvSpPr>
+          <p:nvPr>
+            <p:ph idx="1"/>
+          </p:nvPr>
+        </p:nvSpPr>
+        <p:spPr/>
+        <p:txBody>
+          <a:bodyPr>
+            <a:normAutofit/>
+          </a:bodyPr>
+          <a:lstStyle/>
+          <a:p>
+            <a:r>
+              <a:rPr lang="en-US" altLang="zh-CN" sz="1400" b="1" dirty="0" smtClean="0"/>
+              <a:t>2) </a:t>
+            </a:r>
+            <a:r>
+              <a:rPr lang="zh-CN" altLang="en-US" sz="1400" b="1" dirty="0" smtClean="0"/>
+              <a:t>匹配</a:t>
+            </a:r>
+            <a:r>
+              <a:rPr lang="en-US" altLang="zh-CN" sz="1400" b="1" dirty="0" smtClean="0"/>
+              <a:t>1</a:t>
+            </a:r>
+            <a:r>
+              <a:rPr lang="zh-CN" altLang="en-US" sz="1400" b="1" dirty="0" smtClean="0"/>
+              <a:t>个或更多的连续数字</a:t>
+            </a:r>
+            <a:endParaRPr lang="en-US" altLang="zh-CN" sz="1400" b="1" dirty="0" smtClean="0"/>
+          </a:p>
+          <a:p>
+            <a:r>
+              <a:rPr lang="zh-CN" altLang="en-US" sz="1400" dirty="0"/>
+              <a:t>这里</a:t>
+            </a:r>
+            <a:r>
+              <a:rPr lang="zh-CN" altLang="en-US" sz="1400" dirty="0" smtClean="0"/>
+              <a:t>要介绍量词</a:t>
+            </a:r>
+            <a:r>
+              <a:rPr lang="en-US" altLang="zh-CN" sz="1400" dirty="0" smtClean="0"/>
+              <a:t>+</a:t>
+            </a:r>
+          </a:p>
+          <a:p>
+            <a:r>
+              <a:rPr lang="en-US" altLang="zh-CN" sz="1400" dirty="0" smtClean="0"/>
+              <a:t>+:</a:t>
+            </a:r>
+            <a:r>
+              <a:rPr lang="zh-CN" altLang="en-US" sz="1400" dirty="0" smtClean="0"/>
+              <a:t>匹配重复</a:t>
+            </a:r>
+            <a:r>
+              <a:rPr lang="en-US" altLang="zh-CN" sz="1400" dirty="0" smtClean="0"/>
+              <a:t>1</a:t>
+            </a:r>
+            <a:r>
+              <a:rPr lang="zh-CN" altLang="en-US" sz="1400" dirty="0" smtClean="0"/>
+              <a:t>次或多次</a:t>
+            </a:r>
+            <a:endParaRPr lang="en-US" altLang="zh-CN" sz="1400" dirty="0" smtClean="0"/>
+          </a:p>
+          <a:p>
+            <a:r>
+              <a:rPr lang="en-US" altLang="zh-CN" sz="1400" dirty="0" smtClean="0"/>
+              <a:t>*:</a:t>
+            </a:r>
+            <a:r>
+              <a:rPr lang="zh-CN" altLang="en-US" sz="1400" dirty="0" smtClean="0"/>
+              <a:t>匹配重复</a:t>
+            </a:r>
+            <a:r>
+              <a:rPr lang="en-US" altLang="zh-CN" sz="1400" dirty="0" smtClean="0"/>
+              <a:t>0</a:t>
+            </a:r>
+            <a:r>
+              <a:rPr lang="zh-CN" altLang="en-US" sz="1400" dirty="0" smtClean="0"/>
+              <a:t>次或多次</a:t>
+            </a:r>
+            <a:endParaRPr lang="en-US" altLang="zh-CN" sz="1400" dirty="0" smtClean="0"/>
+          </a:p>
+          <a:p>
+            <a:r>
+              <a:rPr lang="zh-CN" altLang="en-US" sz="1400" dirty="0" smtClean="0"/>
+              <a:t>因此，正确的表达式应为</a:t>
+            </a:r>
+            <a:r>
+              <a:rPr lang="en-US" altLang="zh-CN" sz="1400" dirty="0" smtClean="0"/>
+              <a:t>:</a:t>
+            </a:r>
+          </a:p>
+          <a:p>
+            <a:r>
+              <a:rPr lang="en-US" altLang="zh-CN" sz="1400" dirty="0" smtClean="0"/>
+              <a:t>\d+</a:t>
+            </a:r>
+          </a:p>
+          <a:p>
+            <a:r>
+              <a:rPr lang="zh-CN" altLang="en-US" sz="1400" dirty="0" smtClean="0"/>
+              <a:t>表达式和文本见</a:t>
+            </a:r>
+            <a:r>
+              <a:rPr lang="en-US" altLang="zh-CN" sz="1400" dirty="0" smtClean="0"/>
+              <a:t>regularExpression4.log</a:t>
+            </a:r>
+            <a:endParaRPr lang="zh-CN" altLang="en-US" sz="1400" dirty="0"/>
+          </a:p>
+        </p:txBody>
+      </p:sp>
+      <p:pic>
+        <p:nvPicPr>
+          <p:cNvPr id="5122" name="Picture 2"/>
+          <p:cNvPicPr>
+            <a:picLocks noChangeAspect="1" noChangeArrowheads="1"/>
+          </p:cNvPicPr>
+          <p:nvPr/>
+        </p:nvPicPr>
+        <p:blipFill>
+          <a:blip r:embed="rId2">
+            <a:extLst>
+              <a:ext uri="{28A0092B-C50C-407E-A947-70E740481C1C}">
+                <a14:useLocalDpi xmlns:a14="http://schemas.microsoft.com/office/drawing/2010/main" val="0"/>
+              </a:ext>
+            </a:extLst>
+          </a:blip>
+          <a:srcRect/>
+          <a:stretch>
+            <a:fillRect/>
+          </a:stretch>
+        </p:blipFill>
+        <p:spPr bwMode="auto">
+          <a:xfrm>
+            <a:off x="0" y="3789040"/>
+            <a:ext cx="4572000" cy="4429125"/>
+          </a:xfrm>
+          <a:prstGeom prst="rect">
+            <a:avLst/>
+          </a:prstGeom>
+          <a:noFill/>
+          <a:ln>
+            <a:noFill/>
+          </a:ln>
+          <a:effectLst/>
+          <a:extLst>
+            <a:ext uri="{909E8E84-426E-40DD-AFC4-6F175D3DCCD1}">
+              <a14:hiddenFill xmlns:a14="http://schemas.microsoft.com/office/drawing/2010/main">
+                <a:solidFill>
+                  <a:schemeClr val="accent1"/>
+                </a:solidFill>
+              </a14:hiddenFill>
+            </a:ext>
+            <a:ext uri="{91240B29-F687-4F45-9708-019B960494DF}">
+              <a14:hiddenLine xmlns:a14="http://schemas.microsoft.com/office/drawing/2010/main" w="9525">
+                <a:solidFill>
+                  <a:schemeClr val="tx1"/>
+                </a:solidFill>
+                <a:miter lim="800000"/>
+                <a:headEnd/>
+                <a:tailEnd/>
+              </a14:hiddenLine>
+            </a:ext>
+            <a:ext uri="{AF507438-7753-43E0-B8FC-AC1667EBCBE1}">
+              <a14:hiddenEffects xmlns:a14="http://schemas.microsoft.com/office/drawing/2010/main">
+                <a:effectLst>
+                  <a:outerShdw dist="35921" dir="2700000" algn="ctr" rotWithShape="0">
+                    <a:schemeClr val="bg2"/>
+                  </a:outerShdw>
+                </a:effectLst>
+              </a14:hiddenEffects>
+            </a:ext>
+          </a:extLst>
+        </p:spPr>
+      </p:pic>
+    </p:spTree>
+    <p:extLst>
+      <p:ext uri="{BB962C8B-B14F-4D97-AF65-F5344CB8AC3E}">
+        <p14:creationId xmlns:p14="http://schemas.microsoft.com/office/powerpoint/2010/main" val="2856686048"/>
+      </p:ext>
+    </p:extLst>
+  </p:cSld>
+  <p:clrMapOvr>
+    <a:masterClrMapping/>
+  </p:clrMapOvr>
+</p:sld>
+</file>
+
+<file path=ppt/slides/slide12.xml><?xml version="1.0" encoding="utf-8"?>
+<p:sld xmlns:a="http://schemas.openxmlformats.org/drawingml/2006/main" xmlns:r="http://schemas.openxmlformats.org/officeDocument/2006/relationships" xmlns:p="http://schemas.openxmlformats.org/presentationml/2006/main">
+  <p:cSld>
+    <p:spTree>
+      <p:nvGrpSpPr>
+        <p:cNvPr id="1" name=""/>
+        <p:cNvGrpSpPr/>
+        <p:nvPr/>
+      </p:nvGrpSpPr>
+      <p:grpSpPr>
+        <a:xfrm>
+          <a:off x="0" y="0"/>
+          <a:ext cx="0" cy="0"/>
+          <a:chOff x="0" y="0"/>
+          <a:chExt cx="0" cy="0"/>
+        </a:xfrm>
+      </p:grpSpPr>
+      <p:sp>
+        <p:nvSpPr>
+          <p:cNvPr id="2" name="标题 1"/>
+          <p:cNvSpPr>
+            <a:spLocks noGrp="1"/>
+          </p:cNvSpPr>
+          <p:nvPr>
+            <p:ph type="title"/>
+          </p:nvPr>
+        </p:nvSpPr>
+        <p:spPr/>
+        <p:txBody>
+          <a:bodyPr/>
+          <a:lstStyle/>
+          <a:p>
+            <a:r>
+              <a:rPr lang="en-US" altLang="zh-CN" dirty="0"/>
+              <a:t>3.2.1 </a:t>
+            </a:r>
+            <a:r>
+              <a:rPr lang="zh-CN" altLang="en-US" dirty="0"/>
+              <a:t>什么是元字符</a:t>
+            </a:r>
+          </a:p>
+        </p:txBody>
+      </p:sp>
+      <p:sp>
+        <p:nvSpPr>
+          <p:cNvPr id="3" name="内容占位符 2"/>
+          <p:cNvSpPr>
+            <a:spLocks noGrp="1"/>
+          </p:cNvSpPr>
+          <p:nvPr>
+            <p:ph idx="1"/>
+          </p:nvPr>
+        </p:nvSpPr>
+        <p:spPr/>
+        <p:txBody>
+          <a:bodyPr>
+            <a:normAutofit/>
+          </a:bodyPr>
+          <a:lstStyle/>
+          <a:p>
+            <a:r>
               <a:rPr lang="en-US" altLang="zh-CN" sz="1400" b="1" dirty="0" smtClean="0"/>
               <a:t>3) </a:t>
             </a:r>
@@ -3469,7 +3907,7 @@
 </p:sld>
 </file>
 
-<file path=ppt/slides/slide11.xml><?xml version="1.0" encoding="utf-8"?>
+<file path=ppt/slides/slide13.xml><?xml version="1.0" encoding="utf-8"?>
 <p:sld xmlns:a="http://schemas.openxmlformats.org/drawingml/2006/main" xmlns:r="http://schemas.openxmlformats.org/officeDocument/2006/relationships" xmlns:p="http://schemas.openxmlformats.org/presentationml/2006/main">
   <p:cSld>
     <p:spTree>
@@ -3650,7 +4088,7 @@
 </p:sld>
 </file>
 
-<file path=ppt/slides/slide12.xml><?xml version="1.0" encoding="utf-8"?>
+<file path=ppt/slides/slide14.xml><?xml version="1.0" encoding="utf-8"?>
 <p:sld xmlns:a="http://schemas.openxmlformats.org/drawingml/2006/main" xmlns:r="http://schemas.openxmlformats.org/officeDocument/2006/relationships" xmlns:p="http://schemas.openxmlformats.org/presentationml/2006/main">
   <p:cSld>
     <p:spTree>
@@ -3712,34 +4150,69 @@
           <a:p>
             <a:r>
               <a:rPr lang="en-US" altLang="zh-CN" sz="1400" b="1" dirty="0"/>
-              <a:t>3) </a:t>
-            </a:r>
-            <a:r>
-              <a:rPr lang="zh-CN" altLang="en-US" sz="1400" b="1" dirty="0"/>
-              <a:t>匹配</a:t>
+              <a:t>4</a:t>
+            </a:r>
+            <a:r>
+              <a:rPr lang="en-US" altLang="zh-CN" sz="1400" b="1" dirty="0" smtClean="0"/>
+              <a:t>) </a:t>
             </a:r>
             <a:r>
               <a:rPr lang="zh-CN" altLang="en-US" sz="1400" b="1" dirty="0" smtClean="0"/>
-              <a:t>刚好</a:t>
+              <a:t>思考题</a:t>
             </a:r>
             <a:r>
               <a:rPr lang="en-US" altLang="zh-CN" sz="1400" b="1" dirty="0" smtClean="0"/>
-              <a:t>6</a:t>
-            </a:r>
-            <a:r>
-              <a:rPr lang="zh-CN" altLang="en-US" sz="1400" b="1" dirty="0"/>
-              <a:t>个字符的</a:t>
+              <a:t>:</a:t>
             </a:r>
             <a:r>
               <a:rPr lang="zh-CN" altLang="en-US" sz="1400" b="1" dirty="0" smtClean="0"/>
-              <a:t>单词</a:t>
-            </a:r>
-            <a:endParaRPr lang="en-US" altLang="zh-CN" sz="1400" b="1" dirty="0" smtClean="0"/>
-          </a:p>
-          <a:p>
-            <a:r>
-              <a:rPr lang="zh-CN" altLang="en-US" sz="1400" dirty="0" smtClean="0"/>
-              <a:t>这里重点看的是</a:t>
+              <a:t>用</a:t>
+            </a:r>
+            <a:r>
+              <a:rPr lang="en-US" altLang="zh-CN" sz="1400" b="1" dirty="0" smtClean="0"/>
+              <a:t>he</a:t>
+            </a:r>
+            <a:r>
+              <a:rPr lang="zh-CN" altLang="en-US" sz="1400" b="1" dirty="0" smtClean="0"/>
+              <a:t>和</a:t>
+            </a:r>
+            <a:r>
+              <a:rPr lang="en-US" altLang="zh-CN" sz="1400" b="1" dirty="0" smtClean="0"/>
+              <a:t>\</a:t>
+            </a:r>
+            <a:r>
+              <a:rPr lang="en-US" altLang="zh-CN" sz="1400" b="1" dirty="0" err="1" smtClean="0"/>
+              <a:t>bhe</a:t>
+            </a:r>
+            <a:r>
+              <a:rPr lang="en-US" altLang="zh-CN" sz="1400" b="1" dirty="0" smtClean="0"/>
+              <a:t>\b</a:t>
+            </a:r>
+            <a:r>
+              <a:rPr lang="zh-CN" altLang="en-US" sz="1400" b="1" dirty="0" smtClean="0"/>
+              <a:t>匹配下面的橘子</a:t>
+            </a:r>
+            <a:r>
+              <a:rPr lang="en-US" altLang="zh-CN" sz="1400" b="1" dirty="0" smtClean="0"/>
+              <a:t>,</a:t>
+            </a:r>
+            <a:r>
+              <a:rPr lang="zh-CN" altLang="en-US" sz="1400" b="1" dirty="0" smtClean="0"/>
+              <a:t>分别有多少种结果</a:t>
+            </a:r>
+            <a:r>
+              <a:rPr lang="en-US" altLang="zh-CN" sz="1400" b="1" dirty="0" smtClean="0"/>
+              <a:t>?</a:t>
+            </a:r>
+          </a:p>
+          <a:p>
+            <a:r>
+              <a:rPr lang="zh-CN" altLang="en-US" sz="1400" dirty="0" smtClean="0"/>
+              <a:t>这里</a:t>
+            </a:r>
+            <a:r>
+              <a:rPr lang="zh-CN" altLang="en-US" sz="1400" dirty="0" smtClean="0"/>
+              <a:t>重点看的是</a:t>
             </a:r>
             <a:r>
               <a:rPr lang="en-US" altLang="zh-CN" sz="1400" dirty="0" smtClean="0"/>
@@ -3771,7 +4244,11 @@
             </a:r>
             <a:r>
               <a:rPr lang="zh-CN" altLang="en-US" sz="1400" dirty="0" smtClean="0"/>
-              <a:t>为大于</a:t>
+              <a:t>为</a:t>
+            </a:r>
+            <a:r>
+              <a:rPr lang="zh-CN" altLang="en-US" sz="1400" dirty="0" smtClean="0"/>
+              <a:t>大于等于</a:t>
             </a:r>
             <a:r>
               <a:rPr lang="en-US" altLang="zh-CN" sz="1400" dirty="0" smtClean="0"/>
@@ -3803,7 +4280,51 @@
             </a:r>
             <a:r>
               <a:rPr lang="zh-CN" altLang="en-US" sz="1400" dirty="0" smtClean="0"/>
-              <a:t>次。</a:t>
+              <a:t>次</a:t>
+            </a:r>
+            <a:r>
+              <a:rPr lang="zh-CN" altLang="en-US" sz="1400" dirty="0" smtClean="0"/>
+              <a:t>。当</a:t>
+            </a:r>
+            <a:r>
+              <a:rPr lang="en-US" altLang="zh-CN" sz="1400" dirty="0" smtClean="0"/>
+              <a:t>M = +∞</a:t>
+            </a:r>
+            <a:r>
+              <a:rPr lang="zh-CN" altLang="en-US" sz="1400" dirty="0" smtClean="0"/>
+              <a:t>时，可简写为</a:t>
+            </a:r>
+            <a:r>
+              <a:rPr lang="en-US" altLang="zh-CN" sz="1400" dirty="0" smtClean="0"/>
+              <a:t>{N</a:t>
+            </a:r>
+            <a:r>
+              <a:rPr lang="en-US" altLang="zh-CN" sz="1400" dirty="0" smtClean="0"/>
+              <a:t>,</a:t>
+            </a:r>
+            <a:r>
+              <a:rPr lang="en-US" altLang="zh-CN" sz="1400" dirty="0" smtClean="0"/>
+              <a:t>}</a:t>
+            </a:r>
+            <a:r>
+              <a:rPr lang="zh-CN" altLang="en-US" sz="1400" dirty="0" smtClean="0"/>
+              <a:t>。当指定仅重复匹配</a:t>
+            </a:r>
+            <a:r>
+              <a:rPr lang="en-US" altLang="zh-CN" sz="1400" dirty="0" smtClean="0"/>
+              <a:t>N</a:t>
+            </a:r>
+            <a:r>
+              <a:rPr lang="zh-CN" altLang="en-US" sz="1400" dirty="0" smtClean="0"/>
+              <a:t>次时，可写为</a:t>
+            </a:r>
+            <a:r>
+              <a:rPr lang="en-US" altLang="zh-CN" sz="1400" dirty="0" smtClean="0"/>
+              <a:t>{N}</a:t>
+            </a:r>
+            <a:r>
+              <a:rPr lang="zh-CN" altLang="en-US" sz="1400" dirty="0" smtClean="0"/>
+              <a:t>。</a:t>
             </a:r>
             <a:endParaRPr lang="en-US" altLang="zh-CN" sz="1400" dirty="0" smtClean="0"/>
           </a:p>
@@ -4075,7 +4596,7 @@
         </p:blipFill>
         <p:spPr bwMode="auto">
           <a:xfrm>
-            <a:off x="0" y="4869160"/>
+            <a:off x="0" y="4967411"/>
             <a:ext cx="4705350" cy="3286125"/>
           </a:xfrm>
           <a:prstGeom prst="rect">
@@ -4139,7 +4660,7 @@
         </p:blipFill>
         <p:spPr bwMode="auto">
           <a:xfrm>
-            <a:off x="5148064" y="4869160"/>
+            <a:off x="5148064" y="4995614"/>
             <a:ext cx="4629150" cy="2609850"/>
           </a:xfrm>
           <a:prstGeom prst="rect">
@@ -4193,7 +4714,7 @@
 </p:sld>
 </file>
 
-<file path=ppt/slides/slide13.xml><?xml version="1.0" encoding="utf-8"?>
+<file path=ppt/slides/slide15.xml><?xml version="1.0" encoding="utf-8"?>
 <p:sld xmlns:a="http://schemas.openxmlformats.org/drawingml/2006/main" xmlns:r="http://schemas.openxmlformats.org/officeDocument/2006/relationships" xmlns:p="http://schemas.openxmlformats.org/presentationml/2006/main">
   <p:cSld>
     <p:spTree>
@@ -4495,7 +5016,7 @@
 </p:sld>
 </file>
 
-<file path=ppt/slides/slide14.xml><?xml version="1.0" encoding="utf-8"?>
+<file path=ppt/slides/slide16.xml><?xml version="1.0" encoding="utf-8"?>
 <p:sld xmlns:a="http://schemas.openxmlformats.org/drawingml/2006/main" xmlns:r="http://schemas.openxmlformats.org/officeDocument/2006/relationships" xmlns:p="http://schemas.openxmlformats.org/presentationml/2006/main">
   <p:cSld>
     <p:spTree>
@@ -4736,7 +5257,7 @@
 </p:sld>
 </file>
 
-<file path=ppt/slides/slide15.xml><?xml version="1.0" encoding="utf-8"?>
+<file path=ppt/slides/slide17.xml><?xml version="1.0" encoding="utf-8"?>
 <p:sld xmlns:a="http://schemas.openxmlformats.org/drawingml/2006/main" xmlns:r="http://schemas.openxmlformats.org/officeDocument/2006/relationships" xmlns:p="http://schemas.openxmlformats.org/presentationml/2006/main">
   <p:cSld>
     <p:spTree>
@@ -5111,7 +5632,7 @@
 </p:sld>
 </file>
 
-<file path=ppt/slides/slide16.xml><?xml version="1.0" encoding="utf-8"?>
+<file path=ppt/slides/slide18.xml><?xml version="1.0" encoding="utf-8"?>
 <p:sld xmlns:a="http://schemas.openxmlformats.org/drawingml/2006/main" xmlns:r="http://schemas.openxmlformats.org/officeDocument/2006/relationships" xmlns:p="http://schemas.openxmlformats.org/presentationml/2006/main">
   <p:cSld>
     <p:spTree>
@@ -5366,7 +5887,7 @@
 </p:sld>
 </file>
 
-<file path=ppt/slides/slide17.xml><?xml version="1.0" encoding="utf-8"?>
+<file path=ppt/slides/slide19.xml><?xml version="1.0" encoding="utf-8"?>
 <p:sld xmlns:a="http://schemas.openxmlformats.org/drawingml/2006/main" xmlns:r="http://schemas.openxmlformats.org/officeDocument/2006/relationships" xmlns:p="http://schemas.openxmlformats.org/presentationml/2006/main">
   <p:cSld>
     <p:spTree>
@@ -5558,7 +6079,451 @@
 </p:sld>
 </file>
 
-<file path=ppt/slides/slide18.xml><?xml version="1.0" encoding="utf-8"?>
+<file path=ppt/slides/slide2.xml><?xml version="1.0" encoding="utf-8"?>
+<p:sld xmlns:a="http://schemas.openxmlformats.org/drawingml/2006/main" xmlns:r="http://schemas.openxmlformats.org/officeDocument/2006/relationships" xmlns:p="http://schemas.openxmlformats.org/presentationml/2006/main">
+  <p:cSld>
+    <p:spTree>
+      <p:nvGrpSpPr>
+        <p:cNvPr id="1" name=""/>
+        <p:cNvGrpSpPr/>
+        <p:nvPr/>
+      </p:nvGrpSpPr>
+      <p:grpSpPr>
+        <a:xfrm>
+          <a:off x="0" y="0"/>
+          <a:ext cx="0" cy="0"/>
+          <a:chOff x="0" y="0"/>
+          <a:chExt cx="0" cy="0"/>
+        </a:xfrm>
+      </p:grpSpPr>
+      <p:sp>
+        <p:nvSpPr>
+          <p:cNvPr id="2" name="标题 1"/>
+          <p:cNvSpPr>
+            <a:spLocks noGrp="1"/>
+          </p:cNvSpPr>
+          <p:nvPr>
+            <p:ph type="title"/>
+          </p:nvPr>
+        </p:nvSpPr>
+        <p:spPr/>
+        <p:txBody>
+          <a:bodyPr/>
+          <a:lstStyle/>
+          <a:p>
+            <a:r>
+              <a:rPr lang="en-US" altLang="zh-CN" dirty="0"/>
+              <a:t>3.2 </a:t>
+            </a:r>
+            <a:r>
+              <a:rPr lang="zh-CN" altLang="en-US" dirty="0"/>
+              <a:t>正则表达式中的元字符</a:t>
+            </a:r>
+          </a:p>
+        </p:txBody>
+      </p:sp>
+      <p:sp>
+        <p:nvSpPr>
+          <p:cNvPr id="3" name="内容占位符 2"/>
+          <p:cNvSpPr>
+            <a:spLocks noGrp="1"/>
+          </p:cNvSpPr>
+          <p:nvPr>
+            <p:ph idx="1"/>
+          </p:nvPr>
+        </p:nvSpPr>
+        <p:spPr/>
+        <p:txBody>
+          <a:bodyPr>
+            <a:normAutofit lnSpcReduction="10000"/>
+          </a:bodyPr>
+          <a:lstStyle/>
+          <a:p>
+            <a:r>
+              <a:rPr lang="zh-CN" altLang="en-US" sz="1400" dirty="0" smtClean="0"/>
+              <a:t>假设要在一篇文章中查找</a:t>
+            </a:r>
+            <a:r>
+              <a:rPr lang="en-US" altLang="zh-CN" sz="1400" dirty="0" smtClean="0"/>
+              <a:t>”he”</a:t>
+            </a:r>
+            <a:r>
+              <a:rPr lang="zh-CN" altLang="en-US" sz="1400" dirty="0" smtClean="0"/>
+              <a:t>，可以使用正则表达式</a:t>
+            </a:r>
+            <a:r>
+              <a:rPr lang="en-US" altLang="zh-CN" sz="1400" dirty="0" smtClean="0"/>
+              <a:t>”he”.</a:t>
+            </a:r>
+            <a:r>
+              <a:rPr lang="zh-CN" altLang="en-US" sz="1400" dirty="0" smtClean="0"/>
+              <a:t>这几乎是最简单的正则表达式，它可以精确匹配这样的字符串：由</a:t>
+            </a:r>
+            <a:r>
+              <a:rPr lang="en-US" altLang="zh-CN" sz="1400" dirty="0" smtClean="0"/>
+              <a:t>2</a:t>
+            </a:r>
+            <a:r>
+              <a:rPr lang="zh-CN" altLang="en-US" sz="1400" dirty="0" smtClean="0"/>
+              <a:t>个字符组成，前一个字符是</a:t>
+            </a:r>
+            <a:r>
+              <a:rPr lang="en-US" altLang="zh-CN" sz="1400" dirty="0" smtClean="0"/>
+              <a:t>”h”</a:t>
+            </a:r>
+            <a:r>
+              <a:rPr lang="zh-CN" altLang="en-US" sz="1400" dirty="0" smtClean="0"/>
+              <a:t>，后一个字符是</a:t>
+            </a:r>
+            <a:r>
+              <a:rPr lang="en-US" altLang="zh-CN" sz="1400" dirty="0" smtClean="0"/>
+              <a:t>”e”</a:t>
+            </a:r>
+            <a:r>
+              <a:rPr lang="zh-CN" altLang="en-US" sz="1400" dirty="0" smtClean="0"/>
+              <a:t>。通常正则表达式测试工具会提供一个忽略大小写的选项，如果勾选，则该正则表达式还可以匹配</a:t>
+            </a:r>
+            <a:r>
+              <a:rPr lang="en-US" altLang="zh-CN" sz="1400" dirty="0" smtClean="0"/>
+              <a:t>”HE”</a:t>
+            </a:r>
+            <a:r>
+              <a:rPr lang="zh-CN" altLang="en-US" sz="1400" dirty="0" smtClean="0"/>
+              <a:t>、</a:t>
+            </a:r>
+            <a:r>
+              <a:rPr lang="en-US" altLang="zh-CN" sz="1400" dirty="0"/>
+              <a:t> ”</a:t>
+            </a:r>
+            <a:r>
+              <a:rPr lang="en-US" altLang="zh-CN" sz="1400" dirty="0" smtClean="0"/>
+              <a:t>He”</a:t>
+            </a:r>
+            <a:r>
+              <a:rPr lang="zh-CN" altLang="en-US" sz="1400" dirty="0" smtClean="0"/>
+              <a:t>、</a:t>
+            </a:r>
+            <a:r>
+              <a:rPr lang="en-US" altLang="zh-CN" sz="1400" dirty="0"/>
+              <a:t> </a:t>
+            </a:r>
+            <a:r>
+              <a:rPr lang="en-US" altLang="zh-CN" sz="1400" dirty="0" smtClean="0"/>
+              <a:t>”</a:t>
+            </a:r>
+            <a:r>
+              <a:rPr lang="en-US" altLang="zh-CN" sz="1400" dirty="0" err="1" smtClean="0"/>
+              <a:t>hE</a:t>
+            </a:r>
+            <a:r>
+              <a:rPr lang="en-US" altLang="zh-CN" sz="1400" dirty="0" smtClean="0"/>
+              <a:t>”</a:t>
+            </a:r>
+            <a:r>
+              <a:rPr lang="zh-CN" altLang="en-US" sz="1400" dirty="0" smtClean="0"/>
+              <a:t>。</a:t>
+            </a:r>
+            <a:endParaRPr lang="en-US" altLang="zh-CN" sz="1400" dirty="0" smtClean="0"/>
+          </a:p>
+          <a:p>
+            <a:r>
+              <a:rPr lang="zh-CN" altLang="en-US" sz="1400" dirty="0" smtClean="0"/>
+              <a:t>但是问题来了，很多单词里包含</a:t>
+            </a:r>
+            <a:r>
+              <a:rPr lang="en-US" altLang="zh-CN" sz="1400" dirty="0" smtClean="0"/>
+              <a:t>”he”</a:t>
+            </a:r>
+            <a:r>
+              <a:rPr lang="zh-CN" altLang="en-US" sz="1400" dirty="0" smtClean="0"/>
+              <a:t>这</a:t>
+            </a:r>
+            <a:r>
+              <a:rPr lang="en-US" altLang="zh-CN" sz="1400" dirty="0" smtClean="0"/>
+              <a:t>2</a:t>
+            </a:r>
+            <a:r>
+              <a:rPr lang="zh-CN" altLang="en-US" sz="1400" dirty="0" smtClean="0"/>
+              <a:t>个连续字符，比如</a:t>
+            </a:r>
+            <a:r>
+              <a:rPr lang="en-US" altLang="zh-CN" sz="1400" dirty="0" smtClean="0"/>
+              <a:t>”her”</a:t>
+            </a:r>
+            <a:r>
+              <a:rPr lang="zh-CN" altLang="en-US" sz="1400" dirty="0" smtClean="0"/>
+              <a:t>、</a:t>
+            </a:r>
+            <a:r>
+              <a:rPr lang="en-US" altLang="zh-CN" sz="1400" dirty="0" smtClean="0"/>
+              <a:t>”</a:t>
+            </a:r>
+            <a:r>
+              <a:rPr lang="en-US" altLang="zh-CN" sz="1400" dirty="0" err="1" smtClean="0"/>
+              <a:t>heet</a:t>
+            </a:r>
+            <a:r>
+              <a:rPr lang="en-US" altLang="zh-CN" sz="1400" dirty="0" smtClean="0"/>
+              <a:t>”</a:t>
+            </a:r>
+            <a:r>
+              <a:rPr lang="zh-CN" altLang="en-US" sz="1400" dirty="0" smtClean="0"/>
+              <a:t>。用</a:t>
+            </a:r>
+            <a:r>
+              <a:rPr lang="en-US" altLang="zh-CN" sz="1400" dirty="0" smtClean="0"/>
+              <a:t>”he”</a:t>
+            </a:r>
+            <a:r>
+              <a:rPr lang="zh-CN" altLang="en-US" sz="1400" dirty="0" smtClean="0"/>
+              <a:t>这个正则表达式来做匹配的话，这种规则的单词也会被匹配出来，这并不符合需求。该怎么办呢？</a:t>
+            </a:r>
+            <a:endParaRPr lang="en-US" altLang="zh-CN" sz="1400" dirty="0" smtClean="0"/>
+          </a:p>
+          <a:p>
+            <a:r>
+              <a:rPr lang="zh-CN" altLang="en-US" sz="1400" dirty="0"/>
+              <a:t>如果</a:t>
+            </a:r>
+            <a:r>
+              <a:rPr lang="zh-CN" altLang="en-US" sz="1400" dirty="0" smtClean="0"/>
+              <a:t>要精确查找</a:t>
+            </a:r>
+            <a:r>
+              <a:rPr lang="en-US" altLang="zh-CN" sz="1400" dirty="0" smtClean="0"/>
+              <a:t>”he”</a:t>
+            </a:r>
+            <a:r>
+              <a:rPr lang="zh-CN" altLang="en-US" sz="1400" dirty="0" smtClean="0"/>
+              <a:t>这个单词，正则表达式应为</a:t>
+            </a:r>
+            <a:r>
+              <a:rPr lang="en-US" altLang="zh-CN" sz="1400" dirty="0" smtClean="0"/>
+              <a:t>:”\</a:t>
+            </a:r>
+            <a:r>
+              <a:rPr lang="en-US" altLang="zh-CN" sz="1400" dirty="0" err="1" smtClean="0"/>
+              <a:t>bhe</a:t>
+            </a:r>
+            <a:r>
+              <a:rPr lang="en-US" altLang="zh-CN" sz="1400" dirty="0" smtClean="0"/>
+              <a:t>\b”</a:t>
+            </a:r>
+            <a:r>
+              <a:rPr lang="zh-CN" altLang="en-US" sz="1400" dirty="0" smtClean="0"/>
+              <a:t>。结果见</a:t>
+            </a:r>
+            <a:r>
+              <a:rPr lang="en-US" altLang="zh-CN" sz="1400" dirty="0" smtClean="0"/>
+              <a:t>P4</a:t>
+            </a:r>
+            <a:r>
+              <a:rPr lang="zh-CN" altLang="en-US" sz="1400" dirty="0" smtClean="0"/>
+              <a:t>。代码和文本见</a:t>
+            </a:r>
+            <a:r>
+              <a:rPr lang="en-US" altLang="zh-CN" sz="1400" dirty="0"/>
+              <a:t>regularExpression1.log</a:t>
+            </a:r>
+            <a:endParaRPr lang="en-US" altLang="zh-CN" sz="1400" dirty="0" smtClean="0"/>
+          </a:p>
+          <a:p>
+            <a:r>
+              <a:rPr lang="en-US" altLang="zh-CN" sz="1400" dirty="0" smtClean="0"/>
+              <a:t>\b</a:t>
+            </a:r>
+            <a:r>
+              <a:rPr lang="zh-CN" altLang="en-US" sz="1400" dirty="0" smtClean="0"/>
+              <a:t>是正则表达式规定的一个特殊代码，表示单词的</a:t>
+            </a:r>
+            <a:r>
+              <a:rPr lang="zh-CN" altLang="en-US" sz="1400" dirty="0" smtClean="0">
+                <a:solidFill>
+                  <a:srgbClr val="FF0000"/>
+                </a:solidFill>
+              </a:rPr>
+              <a:t>开头或结尾</a:t>
+            </a:r>
+            <a:r>
+              <a:rPr lang="zh-CN" altLang="en-US" sz="1400" dirty="0" smtClean="0"/>
+              <a:t>，也就是单词的分界处。虽然通常英文单词由空格、标点符号、换行来分隔，但是</a:t>
+            </a:r>
+            <a:r>
+              <a:rPr lang="en-US" altLang="zh-CN" sz="1400" dirty="0" smtClean="0"/>
+              <a:t>”\b”</a:t>
+            </a:r>
+            <a:r>
+              <a:rPr lang="zh-CN" altLang="en-US" sz="1400" dirty="0" smtClean="0"/>
+              <a:t>并不匹配这些单词分隔符中的任何一个，它只匹配</a:t>
+            </a:r>
+            <a:r>
+              <a:rPr lang="zh-CN" altLang="en-US" sz="1400" dirty="0" smtClean="0">
+                <a:solidFill>
+                  <a:srgbClr val="FF0000"/>
+                </a:solidFill>
+              </a:rPr>
+              <a:t>一个位置</a:t>
+            </a:r>
+            <a:r>
+              <a:rPr lang="zh-CN" altLang="en-US" sz="1400" dirty="0" smtClean="0"/>
+              <a:t>。</a:t>
+            </a:r>
+            <a:endParaRPr lang="en-US" altLang="zh-CN" sz="1400" dirty="0" smtClean="0"/>
+          </a:p>
+          <a:p>
+            <a:r>
+              <a:rPr lang="en-US" altLang="zh-CN" sz="1400" dirty="0" smtClean="0"/>
+              <a:t>“\b”</a:t>
+            </a:r>
+            <a:r>
+              <a:rPr lang="zh-CN" altLang="en-US" sz="1400" dirty="0" smtClean="0"/>
+              <a:t>匹配一个位置的解释</a:t>
+            </a:r>
+            <a:r>
+              <a:rPr lang="en-US" altLang="zh-CN" sz="1400" dirty="0" smtClean="0"/>
+              <a:t>:</a:t>
+            </a:r>
+          </a:p>
+          <a:p>
+            <a:r>
+              <a:rPr lang="zh-CN" altLang="en-US" sz="1400" dirty="0" smtClean="0"/>
+              <a:t>该特殊代码将匹配这样一个位置</a:t>
+            </a:r>
+            <a:r>
+              <a:rPr lang="en-US" altLang="zh-CN" sz="1400" dirty="0" smtClean="0"/>
+              <a:t>:</a:t>
+            </a:r>
+            <a:r>
+              <a:rPr lang="zh-CN" altLang="en-US" sz="1400" b="1" dirty="0" smtClean="0"/>
+              <a:t>前一个字符和后一个字符不全是字母、数字、下划线、汉字的位置</a:t>
+            </a:r>
+            <a:r>
+              <a:rPr lang="zh-CN" altLang="en-US" sz="1400" dirty="0" smtClean="0"/>
+              <a:t>。</a:t>
+            </a:r>
+            <a:endParaRPr lang="en-US" altLang="zh-CN" sz="1400" dirty="0" smtClean="0"/>
+          </a:p>
+          <a:p>
+            <a:r>
+              <a:rPr lang="zh-CN" altLang="en-US" sz="1400" dirty="0" smtClean="0"/>
+              <a:t>现在需求改变了，用户想要匹配</a:t>
+            </a:r>
+            <a:r>
+              <a:rPr lang="en-US" altLang="zh-CN" sz="1400" dirty="0" smtClean="0"/>
+              <a:t>”he”</a:t>
+            </a:r>
+            <a:r>
+              <a:rPr lang="zh-CN" altLang="en-US" sz="1400" dirty="0" smtClean="0"/>
+              <a:t>后面和这个</a:t>
+            </a:r>
+            <a:r>
+              <a:rPr lang="en-US" altLang="zh-CN" sz="1400" dirty="0" smtClean="0"/>
+              <a:t>”he”</a:t>
+            </a:r>
+            <a:r>
+              <a:rPr lang="zh-CN" altLang="en-US" sz="1400" dirty="0" smtClean="0"/>
+              <a:t>在同一行且不远处跟着一个</a:t>
+            </a:r>
+            <a:r>
+              <a:rPr lang="en-US" altLang="zh-CN" sz="1400" dirty="0" smtClean="0"/>
+              <a:t>”is”</a:t>
+            </a:r>
+            <a:r>
+              <a:rPr lang="zh-CN" altLang="en-US" sz="1400" dirty="0" smtClean="0"/>
+              <a:t>的字符串，这样的正则表达式该怎么写？</a:t>
+            </a:r>
+            <a:endParaRPr lang="en-US" altLang="zh-CN" sz="1400" dirty="0" smtClean="0"/>
+          </a:p>
+          <a:p>
+            <a:r>
+              <a:rPr lang="en-US" altLang="zh-CN" sz="1400" dirty="0" smtClean="0"/>
+              <a:t>\</a:t>
+            </a:r>
+            <a:r>
+              <a:rPr lang="en-US" altLang="zh-CN" sz="1400" dirty="0" err="1" smtClean="0"/>
+              <a:t>bhe</a:t>
+            </a:r>
+            <a:r>
+              <a:rPr lang="en-US" altLang="zh-CN" sz="1400" dirty="0" smtClean="0"/>
+              <a:t>\b.*\</a:t>
+            </a:r>
+            <a:r>
+              <a:rPr lang="en-US" altLang="zh-CN" sz="1400" dirty="0" err="1" smtClean="0"/>
+              <a:t>bis</a:t>
+            </a:r>
+            <a:r>
+              <a:rPr lang="en-US" altLang="zh-CN" sz="1400" dirty="0" smtClean="0"/>
+              <a:t>\b</a:t>
+            </a:r>
+          </a:p>
+          <a:p>
+            <a:r>
+              <a:rPr lang="zh-CN" altLang="en-US" sz="1400" dirty="0" smtClean="0"/>
+              <a:t>这个正则表达式中：</a:t>
+            </a:r>
+            <a:endParaRPr lang="en-US" altLang="zh-CN" sz="1400" dirty="0" smtClean="0"/>
+          </a:p>
+          <a:p>
+            <a:r>
+              <a:rPr lang="zh-CN" altLang="en-US" sz="1400" dirty="0" smtClean="0"/>
+              <a:t>点号（</a:t>
+            </a:r>
+            <a:r>
+              <a:rPr lang="en-US" altLang="zh-CN" sz="1400" dirty="0" smtClean="0"/>
+              <a:t>.</a:t>
+            </a:r>
+            <a:r>
+              <a:rPr lang="zh-CN" altLang="en-US" sz="1400" dirty="0" smtClean="0"/>
+              <a:t>）是元字符，表示匹配除换行符外的任意字符。</a:t>
+            </a:r>
+            <a:endParaRPr lang="en-US" altLang="zh-CN" sz="1400" dirty="0" smtClean="0"/>
+          </a:p>
+          <a:p>
+            <a:r>
+              <a:rPr lang="en-US" altLang="zh-CN" sz="1400" dirty="0" smtClean="0"/>
+              <a:t>*</a:t>
+            </a:r>
+            <a:r>
+              <a:rPr lang="zh-CN" altLang="en-US" sz="1400" dirty="0" smtClean="0"/>
+              <a:t>也是元字符，不过它代表的不是字符，也不是位置，而是数量</a:t>
+            </a:r>
+            <a:r>
+              <a:rPr lang="en-US" altLang="zh-CN" sz="1400" dirty="0" smtClean="0"/>
+              <a:t>——</a:t>
+            </a:r>
+            <a:r>
+              <a:rPr lang="zh-CN" altLang="en-US" sz="1400" dirty="0" smtClean="0"/>
+              <a:t>它指定</a:t>
+            </a:r>
+            <a:r>
+              <a:rPr lang="en-US" altLang="zh-CN" sz="1400" dirty="0" smtClean="0"/>
+              <a:t>*</a:t>
+            </a:r>
+            <a:r>
+              <a:rPr lang="zh-CN" altLang="en-US" sz="1400" dirty="0" smtClean="0"/>
+              <a:t>前面的内容可以连续重复使用任意次以使得整个正则表达式得以匹配。</a:t>
+            </a:r>
+            <a:endParaRPr lang="en-US" altLang="zh-CN" sz="1400" dirty="0" smtClean="0"/>
+          </a:p>
+          <a:p>
+            <a:endParaRPr lang="en-US" altLang="zh-CN" sz="1400" dirty="0" smtClean="0"/>
+          </a:p>
+        </p:txBody>
+      </p:sp>
+    </p:spTree>
+    <p:extLst>
+      <p:ext uri="{BB962C8B-B14F-4D97-AF65-F5344CB8AC3E}">
+        <p14:creationId xmlns:p14="http://schemas.microsoft.com/office/powerpoint/2010/main" val="2831793310"/>
+      </p:ext>
+    </p:extLst>
+  </p:cSld>
+  <p:clrMapOvr>
+    <a:masterClrMapping/>
+  </p:clrMapOvr>
+</p:sld>
+</file>
+
+<file path=ppt/slides/slide20.xml><?xml version="1.0" encoding="utf-8"?>
 <p:sld xmlns:a="http://schemas.openxmlformats.org/drawingml/2006/main" xmlns:r="http://schemas.openxmlformats.org/officeDocument/2006/relationships" xmlns:p="http://schemas.openxmlformats.org/presentationml/2006/main">
   <p:cSld>
     <p:spTree>
@@ -5758,7 +6723,7 @@
 </p:sld>
 </file>
 
-<file path=ppt/slides/slide19.xml><?xml version="1.0" encoding="utf-8"?>
+<file path=ppt/slides/slide21.xml><?xml version="1.0" encoding="utf-8"?>
 <p:sld xmlns:a="http://schemas.openxmlformats.org/drawingml/2006/main" xmlns:r="http://schemas.openxmlformats.org/officeDocument/2006/relationships" xmlns:p="http://schemas.openxmlformats.org/presentationml/2006/main">
   <p:cSld>
     <p:spTree>
@@ -5961,447 +6926,7 @@
 </p:sld>
 </file>
 
-<file path=ppt/slides/slide2.xml><?xml version="1.0" encoding="utf-8"?>
-<p:sld xmlns:a="http://schemas.openxmlformats.org/drawingml/2006/main" xmlns:r="http://schemas.openxmlformats.org/officeDocument/2006/relationships" xmlns:p="http://schemas.openxmlformats.org/presentationml/2006/main">
-  <p:cSld>
-    <p:spTree>
-      <p:nvGrpSpPr>
-        <p:cNvPr id="1" name=""/>
-        <p:cNvGrpSpPr/>
-        <p:nvPr/>
-      </p:nvGrpSpPr>
-      <p:grpSpPr>
-        <a:xfrm>
-          <a:off x="0" y="0"/>
-          <a:ext cx="0" cy="0"/>
-          <a:chOff x="0" y="0"/>
-          <a:chExt cx="0" cy="0"/>
-        </a:xfrm>
-      </p:grpSpPr>
-      <p:sp>
-        <p:nvSpPr>
-          <p:cNvPr id="2" name="标题 1"/>
-          <p:cNvSpPr>
-            <a:spLocks noGrp="1"/>
-          </p:cNvSpPr>
-          <p:nvPr>
-            <p:ph type="title"/>
-          </p:nvPr>
-        </p:nvSpPr>
-        <p:spPr/>
-        <p:txBody>
-          <a:bodyPr/>
-          <a:lstStyle/>
-          <a:p>
-            <a:r>
-              <a:rPr lang="en-US" altLang="zh-CN" dirty="0"/>
-              <a:t>3.2 </a:t>
-            </a:r>
-            <a:r>
-              <a:rPr lang="zh-CN" altLang="en-US" dirty="0"/>
-              <a:t>正则表达式中的元字符</a:t>
-            </a:r>
-          </a:p>
-        </p:txBody>
-      </p:sp>
-      <p:sp>
-        <p:nvSpPr>
-          <p:cNvPr id="3" name="内容占位符 2"/>
-          <p:cNvSpPr>
-            <a:spLocks noGrp="1"/>
-          </p:cNvSpPr>
-          <p:nvPr>
-            <p:ph idx="1"/>
-          </p:nvPr>
-        </p:nvSpPr>
-        <p:spPr/>
-        <p:txBody>
-          <a:bodyPr>
-            <a:normAutofit lnSpcReduction="10000"/>
-          </a:bodyPr>
-          <a:lstStyle/>
-          <a:p>
-            <a:r>
-              <a:rPr lang="zh-CN" altLang="en-US" sz="1400" dirty="0" smtClean="0"/>
-              <a:t>假设要在一篇文章中查找</a:t>
-            </a:r>
-            <a:r>
-              <a:rPr lang="en-US" altLang="zh-CN" sz="1400" dirty="0" smtClean="0"/>
-              <a:t>”he”</a:t>
-            </a:r>
-            <a:r>
-              <a:rPr lang="zh-CN" altLang="en-US" sz="1400" dirty="0" smtClean="0"/>
-              <a:t>，可以使用正则表达式</a:t>
-            </a:r>
-            <a:r>
-              <a:rPr lang="en-US" altLang="zh-CN" sz="1400" dirty="0" smtClean="0"/>
-              <a:t>”he”.</a:t>
-            </a:r>
-            <a:r>
-              <a:rPr lang="zh-CN" altLang="en-US" sz="1400" dirty="0" smtClean="0"/>
-              <a:t>这几乎是最简单的正则表达式，它可以精确匹配这样的字符串：由</a:t>
-            </a:r>
-            <a:r>
-              <a:rPr lang="en-US" altLang="zh-CN" sz="1400" dirty="0" smtClean="0"/>
-              <a:t>2</a:t>
-            </a:r>
-            <a:r>
-              <a:rPr lang="zh-CN" altLang="en-US" sz="1400" dirty="0" smtClean="0"/>
-              <a:t>个字符组成，前一个字符是</a:t>
-            </a:r>
-            <a:r>
-              <a:rPr lang="en-US" altLang="zh-CN" sz="1400" dirty="0" smtClean="0"/>
-              <a:t>”h”</a:t>
-            </a:r>
-            <a:r>
-              <a:rPr lang="zh-CN" altLang="en-US" sz="1400" dirty="0" smtClean="0"/>
-              <a:t>，后一个字符是</a:t>
-            </a:r>
-            <a:r>
-              <a:rPr lang="en-US" altLang="zh-CN" sz="1400" dirty="0" smtClean="0"/>
-              <a:t>”e”</a:t>
-            </a:r>
-            <a:r>
-              <a:rPr lang="zh-CN" altLang="en-US" sz="1400" dirty="0" smtClean="0"/>
-              <a:t>。通常正则表达式测试工具会提供一个忽略大小写的选项，如果勾选，则该正则表达式还可以匹配</a:t>
-            </a:r>
-            <a:r>
-              <a:rPr lang="en-US" altLang="zh-CN" sz="1400" dirty="0" smtClean="0"/>
-              <a:t>”HE”</a:t>
-            </a:r>
-            <a:r>
-              <a:rPr lang="zh-CN" altLang="en-US" sz="1400" dirty="0" smtClean="0"/>
-              <a:t>、</a:t>
-            </a:r>
-            <a:r>
-              <a:rPr lang="en-US" altLang="zh-CN" sz="1400" dirty="0"/>
-              <a:t> ”</a:t>
-            </a:r>
-            <a:r>
-              <a:rPr lang="en-US" altLang="zh-CN" sz="1400" dirty="0" smtClean="0"/>
-              <a:t>He”</a:t>
-            </a:r>
-            <a:r>
-              <a:rPr lang="zh-CN" altLang="en-US" sz="1400" dirty="0" smtClean="0"/>
-              <a:t>、</a:t>
-            </a:r>
-            <a:r>
-              <a:rPr lang="en-US" altLang="zh-CN" sz="1400" dirty="0"/>
-              <a:t> </a:t>
-            </a:r>
-            <a:r>
-              <a:rPr lang="en-US" altLang="zh-CN" sz="1400" dirty="0" smtClean="0"/>
-              <a:t>”</a:t>
-            </a:r>
-            <a:r>
-              <a:rPr lang="en-US" altLang="zh-CN" sz="1400" dirty="0" err="1" smtClean="0"/>
-              <a:t>hE</a:t>
-            </a:r>
-            <a:r>
-              <a:rPr lang="en-US" altLang="zh-CN" sz="1400" dirty="0" smtClean="0"/>
-              <a:t>”</a:t>
-            </a:r>
-            <a:r>
-              <a:rPr lang="zh-CN" altLang="en-US" sz="1400" dirty="0" smtClean="0"/>
-              <a:t>。</a:t>
-            </a:r>
-            <a:endParaRPr lang="en-US" altLang="zh-CN" sz="1400" dirty="0" smtClean="0"/>
-          </a:p>
-          <a:p>
-            <a:r>
-              <a:rPr lang="zh-CN" altLang="en-US" sz="1400" dirty="0" smtClean="0"/>
-              <a:t>但是问题来了，很多单词里包含</a:t>
-            </a:r>
-            <a:r>
-              <a:rPr lang="en-US" altLang="zh-CN" sz="1400" dirty="0" smtClean="0"/>
-              <a:t>”he”</a:t>
-            </a:r>
-            <a:r>
-              <a:rPr lang="zh-CN" altLang="en-US" sz="1400" dirty="0" smtClean="0"/>
-              <a:t>这</a:t>
-            </a:r>
-            <a:r>
-              <a:rPr lang="en-US" altLang="zh-CN" sz="1400" dirty="0" smtClean="0"/>
-              <a:t>2</a:t>
-            </a:r>
-            <a:r>
-              <a:rPr lang="zh-CN" altLang="en-US" sz="1400" dirty="0" smtClean="0"/>
-              <a:t>个连续字符，比如</a:t>
-            </a:r>
-            <a:r>
-              <a:rPr lang="en-US" altLang="zh-CN" sz="1400" dirty="0" smtClean="0"/>
-              <a:t>”her”</a:t>
-            </a:r>
-            <a:r>
-              <a:rPr lang="zh-CN" altLang="en-US" sz="1400" dirty="0" smtClean="0"/>
-              <a:t>、</a:t>
-            </a:r>
-            <a:r>
-              <a:rPr lang="en-US" altLang="zh-CN" sz="1400" dirty="0" smtClean="0"/>
-              <a:t>”</a:t>
-            </a:r>
-            <a:r>
-              <a:rPr lang="en-US" altLang="zh-CN" sz="1400" dirty="0" err="1" smtClean="0"/>
-              <a:t>heet</a:t>
-            </a:r>
-            <a:r>
-              <a:rPr lang="en-US" altLang="zh-CN" sz="1400" dirty="0" smtClean="0"/>
-              <a:t>”</a:t>
-            </a:r>
-            <a:r>
-              <a:rPr lang="zh-CN" altLang="en-US" sz="1400" dirty="0" smtClean="0"/>
-              <a:t>。用</a:t>
-            </a:r>
-            <a:r>
-              <a:rPr lang="en-US" altLang="zh-CN" sz="1400" dirty="0" smtClean="0"/>
-              <a:t>”he”</a:t>
-            </a:r>
-            <a:r>
-              <a:rPr lang="zh-CN" altLang="en-US" sz="1400" dirty="0" smtClean="0"/>
-              <a:t>这个正则表达式来做匹配的话，这种规则的单词也会被匹配出来，这并不符合需求。该怎么办呢？</a:t>
-            </a:r>
-            <a:endParaRPr lang="en-US" altLang="zh-CN" sz="1400" dirty="0" smtClean="0"/>
-          </a:p>
-          <a:p>
-            <a:r>
-              <a:rPr lang="zh-CN" altLang="en-US" sz="1400" dirty="0"/>
-              <a:t>如果</a:t>
-            </a:r>
-            <a:r>
-              <a:rPr lang="zh-CN" altLang="en-US" sz="1400" dirty="0" smtClean="0"/>
-              <a:t>要精确查找</a:t>
-            </a:r>
-            <a:r>
-              <a:rPr lang="en-US" altLang="zh-CN" sz="1400" dirty="0" smtClean="0"/>
-              <a:t>”he”</a:t>
-            </a:r>
-            <a:r>
-              <a:rPr lang="zh-CN" altLang="en-US" sz="1400" dirty="0" smtClean="0"/>
-              <a:t>这个单词，正则表达式应为</a:t>
-            </a:r>
-            <a:r>
-              <a:rPr lang="en-US" altLang="zh-CN" sz="1400" dirty="0" smtClean="0"/>
-              <a:t>:”\</a:t>
-            </a:r>
-            <a:r>
-              <a:rPr lang="en-US" altLang="zh-CN" sz="1400" dirty="0" err="1" smtClean="0"/>
-              <a:t>bhe</a:t>
-            </a:r>
-            <a:r>
-              <a:rPr lang="en-US" altLang="zh-CN" sz="1400" dirty="0" smtClean="0"/>
-              <a:t>\b”</a:t>
-            </a:r>
-            <a:r>
-              <a:rPr lang="zh-CN" altLang="en-US" sz="1400" dirty="0" smtClean="0"/>
-              <a:t>。结果见</a:t>
-            </a:r>
-            <a:r>
-              <a:rPr lang="en-US" altLang="zh-CN" sz="1400" dirty="0" smtClean="0"/>
-              <a:t>P4</a:t>
-            </a:r>
-            <a:r>
-              <a:rPr lang="zh-CN" altLang="en-US" sz="1400" dirty="0" smtClean="0"/>
-              <a:t>。代码和文本见</a:t>
-            </a:r>
-            <a:r>
-              <a:rPr lang="en-US" altLang="zh-CN" sz="1400" dirty="0"/>
-              <a:t>regularExpression1.log</a:t>
-            </a:r>
-            <a:endParaRPr lang="en-US" altLang="zh-CN" sz="1400" dirty="0" smtClean="0"/>
-          </a:p>
-          <a:p>
-            <a:r>
-              <a:rPr lang="en-US" altLang="zh-CN" sz="1400" dirty="0" smtClean="0"/>
-              <a:t>\b</a:t>
-            </a:r>
-            <a:r>
-              <a:rPr lang="zh-CN" altLang="en-US" sz="1400" dirty="0" smtClean="0"/>
-              <a:t>是正则表达式规定的一个特殊代码，表示单词的</a:t>
-            </a:r>
-            <a:r>
-              <a:rPr lang="zh-CN" altLang="en-US" sz="1400" dirty="0" smtClean="0">
-                <a:solidFill>
-                  <a:srgbClr val="FF0000"/>
-                </a:solidFill>
-              </a:rPr>
-              <a:t>开头或结尾</a:t>
-            </a:r>
-            <a:r>
-              <a:rPr lang="zh-CN" altLang="en-US" sz="1400" dirty="0" smtClean="0"/>
-              <a:t>，也就是单词的分界处。虽然通常英文单词由空格、标点符号、换行来分隔，但是</a:t>
-            </a:r>
-            <a:r>
-              <a:rPr lang="en-US" altLang="zh-CN" sz="1400" dirty="0" smtClean="0"/>
-              <a:t>”\b”</a:t>
-            </a:r>
-            <a:r>
-              <a:rPr lang="zh-CN" altLang="en-US" sz="1400" dirty="0" smtClean="0"/>
-              <a:t>并不匹配这些单词分隔符中的任何一个，它只匹配</a:t>
-            </a:r>
-            <a:r>
-              <a:rPr lang="zh-CN" altLang="en-US" sz="1400" dirty="0" smtClean="0">
-                <a:solidFill>
-                  <a:srgbClr val="FF0000"/>
-                </a:solidFill>
-              </a:rPr>
-              <a:t>一个位置</a:t>
-            </a:r>
-            <a:r>
-              <a:rPr lang="zh-CN" altLang="en-US" sz="1400" dirty="0" smtClean="0"/>
-              <a:t>。</a:t>
-            </a:r>
-            <a:endParaRPr lang="en-US" altLang="zh-CN" sz="1400" dirty="0" smtClean="0"/>
-          </a:p>
-          <a:p>
-            <a:r>
-              <a:rPr lang="en-US" altLang="zh-CN" sz="1400" dirty="0" smtClean="0"/>
-              <a:t>“\b”</a:t>
-            </a:r>
-            <a:r>
-              <a:rPr lang="zh-CN" altLang="en-US" sz="1400" dirty="0" smtClean="0"/>
-              <a:t>匹配一个位置的解释</a:t>
-            </a:r>
-            <a:r>
-              <a:rPr lang="en-US" altLang="zh-CN" sz="1400" dirty="0" smtClean="0"/>
-              <a:t>:</a:t>
-            </a:r>
-          </a:p>
-          <a:p>
-            <a:r>
-              <a:rPr lang="zh-CN" altLang="en-US" sz="1400" dirty="0" smtClean="0"/>
-              <a:t>该特殊代码将匹配这样一个位置</a:t>
-            </a:r>
-            <a:r>
-              <a:rPr lang="en-US" altLang="zh-CN" sz="1400" dirty="0" smtClean="0"/>
-              <a:t>:</a:t>
-            </a:r>
-            <a:r>
-              <a:rPr lang="zh-CN" altLang="en-US" sz="1400" dirty="0" smtClean="0"/>
-              <a:t>前一个字符和后一个字符不全是字母、数字、下划线、汉字的位置。</a:t>
-            </a:r>
-            <a:endParaRPr lang="en-US" altLang="zh-CN" sz="1400" dirty="0" smtClean="0"/>
-          </a:p>
-          <a:p>
-            <a:r>
-              <a:rPr lang="zh-CN" altLang="en-US" sz="1400" dirty="0" smtClean="0"/>
-              <a:t>现在需求改变了，用户想要匹配</a:t>
-            </a:r>
-            <a:r>
-              <a:rPr lang="en-US" altLang="zh-CN" sz="1400" dirty="0" smtClean="0"/>
-              <a:t>”he”</a:t>
-            </a:r>
-            <a:r>
-              <a:rPr lang="zh-CN" altLang="en-US" sz="1400" dirty="0" smtClean="0"/>
-              <a:t>后面和这个</a:t>
-            </a:r>
-            <a:r>
-              <a:rPr lang="en-US" altLang="zh-CN" sz="1400" dirty="0" smtClean="0"/>
-              <a:t>”he”</a:t>
-            </a:r>
-            <a:r>
-              <a:rPr lang="zh-CN" altLang="en-US" sz="1400" dirty="0" smtClean="0"/>
-              <a:t>在同一行且不远处跟着一个</a:t>
-            </a:r>
-            <a:r>
-              <a:rPr lang="en-US" altLang="zh-CN" sz="1400" dirty="0" smtClean="0"/>
-              <a:t>”is”</a:t>
-            </a:r>
-            <a:r>
-              <a:rPr lang="zh-CN" altLang="en-US" sz="1400" dirty="0" smtClean="0"/>
-              <a:t>的字符串，这样的正则表达式该怎么写？</a:t>
-            </a:r>
-            <a:endParaRPr lang="en-US" altLang="zh-CN" sz="1400" dirty="0" smtClean="0"/>
-          </a:p>
-          <a:p>
-            <a:r>
-              <a:rPr lang="en-US" altLang="zh-CN" sz="1400" dirty="0" smtClean="0"/>
-              <a:t>\</a:t>
-            </a:r>
-            <a:r>
-              <a:rPr lang="en-US" altLang="zh-CN" sz="1400" dirty="0" err="1" smtClean="0"/>
-              <a:t>bhe</a:t>
-            </a:r>
-            <a:r>
-              <a:rPr lang="en-US" altLang="zh-CN" sz="1400" dirty="0" smtClean="0"/>
-              <a:t>\b.*\</a:t>
-            </a:r>
-            <a:r>
-              <a:rPr lang="en-US" altLang="zh-CN" sz="1400" dirty="0" err="1" smtClean="0"/>
-              <a:t>bis</a:t>
-            </a:r>
-            <a:r>
-              <a:rPr lang="en-US" altLang="zh-CN" sz="1400" dirty="0" smtClean="0"/>
-              <a:t>\b</a:t>
-            </a:r>
-          </a:p>
-          <a:p>
-            <a:r>
-              <a:rPr lang="zh-CN" altLang="en-US" sz="1400" dirty="0" smtClean="0"/>
-              <a:t>这个正则表达式中：</a:t>
-            </a:r>
-            <a:endParaRPr lang="en-US" altLang="zh-CN" sz="1400" dirty="0" smtClean="0"/>
-          </a:p>
-          <a:p>
-            <a:r>
-              <a:rPr lang="zh-CN" altLang="en-US" sz="1400" dirty="0" smtClean="0"/>
-              <a:t>点号（</a:t>
-            </a:r>
-            <a:r>
-              <a:rPr lang="en-US" altLang="zh-CN" sz="1400" dirty="0" smtClean="0"/>
-              <a:t>.</a:t>
-            </a:r>
-            <a:r>
-              <a:rPr lang="zh-CN" altLang="en-US" sz="1400" dirty="0" smtClean="0"/>
-              <a:t>）是元字符，表示匹配除换行符外的任意字符。</a:t>
-            </a:r>
-            <a:endParaRPr lang="en-US" altLang="zh-CN" sz="1400" dirty="0" smtClean="0"/>
-          </a:p>
-          <a:p>
-            <a:r>
-              <a:rPr lang="en-US" altLang="zh-CN" sz="1400" dirty="0" smtClean="0"/>
-              <a:t>*</a:t>
-            </a:r>
-            <a:r>
-              <a:rPr lang="zh-CN" altLang="en-US" sz="1400" dirty="0" smtClean="0"/>
-              <a:t>也是元字符，不过它代表的不是字符，也不是位置，而是数量</a:t>
-            </a:r>
-            <a:r>
-              <a:rPr lang="en-US" altLang="zh-CN" sz="1400" dirty="0" smtClean="0"/>
-              <a:t>——</a:t>
-            </a:r>
-            <a:r>
-              <a:rPr lang="zh-CN" altLang="en-US" sz="1400" dirty="0" smtClean="0"/>
-              <a:t>它指定</a:t>
-            </a:r>
-            <a:r>
-              <a:rPr lang="en-US" altLang="zh-CN" sz="1400" dirty="0" smtClean="0"/>
-              <a:t>*</a:t>
-            </a:r>
-            <a:r>
-              <a:rPr lang="zh-CN" altLang="en-US" sz="1400" dirty="0" smtClean="0"/>
-              <a:t>前面的内容可以连续重复使用任意次以使得整个正则表达式得以匹配。</a:t>
-            </a:r>
-            <a:endParaRPr lang="en-US" altLang="zh-CN" sz="1400" dirty="0" smtClean="0"/>
-          </a:p>
-          <a:p>
-            <a:endParaRPr lang="en-US" altLang="zh-CN" sz="1400" dirty="0" smtClean="0"/>
-          </a:p>
-        </p:txBody>
-      </p:sp>
-    </p:spTree>
-    <p:extLst>
-      <p:ext uri="{BB962C8B-B14F-4D97-AF65-F5344CB8AC3E}">
-        <p14:creationId xmlns:p14="http://schemas.microsoft.com/office/powerpoint/2010/main" val="2831793310"/>
-      </p:ext>
-    </p:extLst>
-  </p:cSld>
-  <p:clrMapOvr>
-    <a:masterClrMapping/>
-  </p:clrMapOvr>
-</p:sld>
-</file>
-
-<file path=ppt/slides/slide20.xml><?xml version="1.0" encoding="utf-8"?>
+<file path=ppt/slides/slide22.xml><?xml version="1.0" encoding="utf-8"?>
 <p:sld xmlns:a="http://schemas.openxmlformats.org/drawingml/2006/main" xmlns:r="http://schemas.openxmlformats.org/officeDocument/2006/relationships" xmlns:p="http://schemas.openxmlformats.org/presentationml/2006/main">
   <p:cSld>
     <p:spTree>
@@ -6644,7 +7169,7 @@
 </p:sld>
 </file>
 
-<file path=ppt/slides/slide21.xml><?xml version="1.0" encoding="utf-8"?>
+<file path=ppt/slides/slide23.xml><?xml version="1.0" encoding="utf-8"?>
 <p:sld xmlns:a="http://schemas.openxmlformats.org/drawingml/2006/main" xmlns:r="http://schemas.openxmlformats.org/officeDocument/2006/relationships" xmlns:p="http://schemas.openxmlformats.org/presentationml/2006/main">
   <p:cSld>
     <p:spTree>
@@ -6850,7 +7375,7 @@
 </p:sld>
 </file>
 
-<file path=ppt/slides/slide22.xml><?xml version="1.0" encoding="utf-8"?>
+<file path=ppt/slides/slide24.xml><?xml version="1.0" encoding="utf-8"?>
 <p:sld xmlns:a="http://schemas.openxmlformats.org/drawingml/2006/main" xmlns:r="http://schemas.openxmlformats.org/officeDocument/2006/relationships" xmlns:p="http://schemas.openxmlformats.org/presentationml/2006/main">
   <p:cSld>
     <p:spTree>
@@ -7012,7 +7537,7 @@
 </p:sld>
 </file>
 
-<file path=ppt/slides/slide23.xml><?xml version="1.0" encoding="utf-8"?>
+<file path=ppt/slides/slide25.xml><?xml version="1.0" encoding="utf-8"?>
 <p:sld xmlns:a="http://schemas.openxmlformats.org/drawingml/2006/main" xmlns:r="http://schemas.openxmlformats.org/officeDocument/2006/relationships" xmlns:p="http://schemas.openxmlformats.org/presentationml/2006/main">
   <p:cSld>
     <p:spTree>
@@ -7220,7 +7745,7 @@
 </p:sld>
 </file>
 
-<file path=ppt/slides/slide24.xml><?xml version="1.0" encoding="utf-8"?>
+<file path=ppt/slides/slide26.xml><?xml version="1.0" encoding="utf-8"?>
 <p:sld xmlns:a="http://schemas.openxmlformats.org/drawingml/2006/main" xmlns:r="http://schemas.openxmlformats.org/officeDocument/2006/relationships" xmlns:p="http://schemas.openxmlformats.org/presentationml/2006/main">
   <p:cSld>
     <p:spTree>
@@ -8186,35 +8711,439 @@
         </p:nvSpPr>
         <p:spPr/>
         <p:txBody>
+          <a:bodyPr/>
+          <a:lstStyle/>
+          <a:p>
+            <a:r>
+              <a:rPr lang="en-US" altLang="zh-CN" dirty="0"/>
+              <a:t>3.2 </a:t>
+            </a:r>
+            <a:r>
+              <a:rPr lang="zh-CN" altLang="en-US" dirty="0"/>
+              <a:t>正则表达式中的元字符</a:t>
+            </a:r>
+          </a:p>
+        </p:txBody>
+      </p:sp>
+      <p:sp>
+        <p:nvSpPr>
+          <p:cNvPr id="3" name="内容占位符 2"/>
+          <p:cNvSpPr>
+            <a:spLocks noGrp="1"/>
+          </p:cNvSpPr>
+          <p:nvPr>
+            <p:ph idx="1"/>
+          </p:nvPr>
+        </p:nvSpPr>
+        <p:spPr/>
+        <p:txBody>
           <a:bodyPr>
             <a:normAutofit/>
           </a:bodyPr>
           <a:lstStyle/>
           <a:p>
             <a:r>
-              <a:rPr lang="en-US" altLang="zh-CN" dirty="0"/>
-              <a:t>3.2.1 </a:t>
-            </a:r>
-            <a:r>
-              <a:rPr lang="zh-CN" altLang="en-US" dirty="0"/>
-              <a:t>什么是</a:t>
-            </a:r>
-            <a:r>
-              <a:rPr lang="zh-CN" altLang="en-US" dirty="0" smtClean="0"/>
-              <a:t>元字符</a:t>
-            </a:r>
-            <a:endParaRPr lang="zh-CN" altLang="en-US" dirty="0"/>
-          </a:p>
-        </p:txBody>
-      </p:sp>
-      <p:sp>
-        <p:nvSpPr>
-          <p:cNvPr id="3" name="内容占位符 2"/>
-          <p:cNvSpPr>
-            <a:spLocks noGrp="1"/>
-          </p:cNvSpPr>
-          <p:nvPr>
-            <p:ph idx="1"/>
+              <a:rPr lang="zh-CN" altLang="en-US" sz="1400" dirty="0" smtClean="0"/>
+              <a:t>问题</a:t>
+            </a:r>
+            <a:r>
+              <a:rPr lang="en-US" altLang="zh-CN" sz="1400" dirty="0" smtClean="0"/>
+              <a:t>:</a:t>
+            </a:r>
+          </a:p>
+          <a:p>
+            <a:r>
+              <a:rPr lang="zh-CN" altLang="en-US" sz="1400" dirty="0" smtClean="0"/>
+              <a:t>为什么</a:t>
+            </a:r>
+            <a:r>
+              <a:rPr lang="en-US" altLang="zh-CN" sz="1400" dirty="0" smtClean="0"/>
+              <a:t>”</a:t>
+            </a:r>
+            <a:r>
+              <a:rPr lang="en-US" altLang="zh-CN" sz="1400" dirty="0"/>
+              <a:t> </a:t>
+            </a:r>
+            <a:r>
+              <a:rPr lang="en-US" altLang="zh-CN" sz="1400" dirty="0" err="1"/>
+              <a:t>xxhe</a:t>
+            </a:r>
+            <a:r>
+              <a:rPr lang="en-US" altLang="zh-CN" sz="1400" dirty="0"/>
+              <a:t> xx is</a:t>
+            </a:r>
+            <a:r>
+              <a:rPr lang="en-US" altLang="zh-CN" sz="1400" dirty="0" smtClean="0"/>
+              <a:t>”</a:t>
+            </a:r>
+            <a:r>
+              <a:rPr lang="zh-CN" altLang="en-US" sz="1400" dirty="0" smtClean="0"/>
+              <a:t>匹配失败</a:t>
+            </a:r>
+            <a:r>
+              <a:rPr lang="en-US" altLang="zh-CN" sz="1400" dirty="0" smtClean="0"/>
+              <a:t>?</a:t>
+            </a:r>
+          </a:p>
+          <a:p>
+            <a:r>
+              <a:rPr lang="zh-CN" altLang="en-US" sz="1400" dirty="0" smtClean="0"/>
+              <a:t>答案</a:t>
+            </a:r>
+            <a:r>
+              <a:rPr lang="en-US" altLang="zh-CN" sz="1400" dirty="0" smtClean="0"/>
+              <a:t>:</a:t>
+            </a:r>
+            <a:r>
+              <a:rPr lang="zh-CN" altLang="en-US" sz="1400" dirty="0" smtClean="0"/>
+              <a:t>问出这个问题说明对</a:t>
+            </a:r>
+            <a:r>
+              <a:rPr lang="en-US" altLang="zh-CN" sz="1400" dirty="0" smtClean="0"/>
+              <a:t>\b</a:t>
+            </a:r>
+            <a:r>
+              <a:rPr lang="zh-CN" altLang="en-US" sz="1400" dirty="0" smtClean="0"/>
+              <a:t>的理解不够深刻</a:t>
+            </a:r>
+            <a:r>
+              <a:rPr lang="en-US" altLang="zh-CN" sz="1400" dirty="0" smtClean="0"/>
+              <a:t>.</a:t>
+            </a:r>
+          </a:p>
+          <a:p>
+            <a:r>
+              <a:rPr lang="en-US" altLang="zh-CN" sz="1400" dirty="0" smtClean="0"/>
+              <a:t>step1. </a:t>
+            </a:r>
+            <a:r>
+              <a:rPr lang="zh-CN" altLang="en-US" sz="1400" dirty="0" smtClean="0"/>
+              <a:t>先来回顾</a:t>
+            </a:r>
+            <a:r>
+              <a:rPr lang="en-US" altLang="zh-CN" sz="1400" dirty="0" smtClean="0"/>
+              <a:t>\b</a:t>
+            </a:r>
+            <a:r>
+              <a:rPr lang="zh-CN" altLang="en-US" sz="1400" dirty="0" smtClean="0"/>
+              <a:t>的概念</a:t>
+            </a:r>
+            <a:r>
+              <a:rPr lang="en-US" altLang="zh-CN" sz="1400" dirty="0" smtClean="0"/>
+              <a:t>:</a:t>
+            </a:r>
+            <a:r>
+              <a:rPr lang="zh-CN" altLang="en-US" sz="1400" b="1" dirty="0"/>
+              <a:t>前一个字符和后一个字符不全是字母、数字、</a:t>
+            </a:r>
+            <a:r>
+              <a:rPr lang="zh-CN" altLang="en-US" sz="1400" b="1" dirty="0" smtClean="0"/>
+              <a:t>下划线</a:t>
+            </a:r>
+            <a:endParaRPr lang="en-US" altLang="zh-CN" sz="1400" b="1" dirty="0" smtClean="0"/>
+          </a:p>
+          <a:p>
+            <a:r>
+              <a:rPr lang="en-US" altLang="zh-CN" sz="1400" dirty="0" smtClean="0"/>
+              <a:t>step2.</a:t>
+            </a:r>
+            <a:r>
+              <a:rPr lang="zh-CN" altLang="en-US" sz="1400" dirty="0" smtClean="0"/>
+              <a:t>问题分析</a:t>
+            </a:r>
+            <a:endParaRPr lang="en-US" altLang="zh-CN" sz="1400" dirty="0"/>
+          </a:p>
+          <a:p>
+            <a:r>
+              <a:rPr lang="zh-CN" altLang="en-US" sz="1400" dirty="0" smtClean="0"/>
+              <a:t>那么按照概念，</a:t>
+            </a:r>
+            <a:r>
+              <a:rPr lang="en-US" altLang="zh-CN" sz="1400" dirty="0" smtClean="0">
+                <a:solidFill>
+                  <a:srgbClr val="0070C0"/>
+                </a:solidFill>
+              </a:rPr>
+              <a:t>\</a:t>
+            </a:r>
+            <a:r>
+              <a:rPr lang="en-US" altLang="zh-CN" sz="1400" dirty="0" err="1" smtClean="0">
+                <a:solidFill>
+                  <a:srgbClr val="0070C0"/>
+                </a:solidFill>
+              </a:rPr>
+              <a:t>b</a:t>
+            </a:r>
+            <a:r>
+              <a:rPr lang="en-US" altLang="zh-CN" sz="1400" dirty="0" err="1" smtClean="0"/>
+              <a:t>he</a:t>
+            </a:r>
+            <a:r>
+              <a:rPr lang="en-US" altLang="zh-CN" sz="1400" dirty="0" smtClean="0">
+                <a:solidFill>
+                  <a:srgbClr val="00B0F0"/>
+                </a:solidFill>
+              </a:rPr>
+              <a:t>\b</a:t>
+            </a:r>
+            <a:r>
+              <a:rPr lang="zh-CN" altLang="en-US" sz="1400" dirty="0" smtClean="0"/>
+              <a:t>中，深蓝色的</a:t>
+            </a:r>
+            <a:r>
+              <a:rPr lang="en-US" altLang="zh-CN" sz="1400" dirty="0" smtClean="0"/>
+              <a:t>\b</a:t>
+            </a:r>
+            <a:r>
+              <a:rPr lang="zh-CN" altLang="en-US" sz="1400" dirty="0" smtClean="0"/>
+              <a:t>后面</a:t>
+            </a:r>
+            <a:r>
+              <a:rPr lang="zh-CN" altLang="en-US" sz="1400" dirty="0"/>
+              <a:t>已经</a:t>
+            </a:r>
+            <a:r>
+              <a:rPr lang="zh-CN" altLang="en-US" sz="1400" dirty="0" smtClean="0"/>
+              <a:t>是字符</a:t>
+            </a:r>
+            <a:r>
+              <a:rPr lang="en-US" altLang="zh-CN" sz="1400" dirty="0" smtClean="0"/>
+              <a:t>h</a:t>
+            </a:r>
+            <a:r>
+              <a:rPr lang="zh-CN" altLang="en-US" sz="1400" dirty="0" smtClean="0"/>
+              <a:t>了，说明</a:t>
+            </a:r>
+            <a:r>
+              <a:rPr lang="en-US" altLang="zh-CN" sz="1400" dirty="0" smtClean="0"/>
+              <a:t>\b</a:t>
+            </a:r>
+            <a:r>
+              <a:rPr lang="zh-CN" altLang="en-US" sz="1400" dirty="0" smtClean="0"/>
+              <a:t>的前面一个位置不能为字母、数字、下划线。</a:t>
+            </a:r>
+            <a:endParaRPr lang="en-US" altLang="zh-CN" sz="1400" dirty="0" smtClean="0"/>
+          </a:p>
+          <a:p>
+            <a:r>
+              <a:rPr lang="zh-CN" altLang="en-US" sz="1400" dirty="0"/>
+              <a:t>同样</a:t>
+            </a:r>
+            <a:r>
+              <a:rPr lang="zh-CN" altLang="en-US" sz="1400" dirty="0" smtClean="0"/>
+              <a:t>的，淡蓝色的</a:t>
+            </a:r>
+            <a:r>
+              <a:rPr lang="en-US" altLang="zh-CN" sz="1400" dirty="0" smtClean="0"/>
+              <a:t>\b</a:t>
+            </a:r>
+            <a:r>
+              <a:rPr lang="zh-CN" altLang="en-US" sz="1400" dirty="0" smtClean="0"/>
+              <a:t>前面已经是字符</a:t>
+            </a:r>
+            <a:r>
+              <a:rPr lang="en-US" altLang="zh-CN" sz="1400" dirty="0" smtClean="0"/>
+              <a:t>e</a:t>
+            </a:r>
+            <a:r>
+              <a:rPr lang="zh-CN" altLang="en-US" sz="1400" dirty="0" smtClean="0"/>
+              <a:t>了，所以</a:t>
+            </a:r>
+            <a:r>
+              <a:rPr lang="en-US" altLang="zh-CN" sz="1400" dirty="0" smtClean="0"/>
+              <a:t>\b</a:t>
+            </a:r>
+            <a:r>
+              <a:rPr lang="zh-CN" altLang="en-US" sz="1400" dirty="0" smtClean="0"/>
+              <a:t>的后面一个位置不能为字母、数字、下划线。</a:t>
+            </a:r>
+            <a:endParaRPr lang="en-US" altLang="zh-CN" sz="1400" dirty="0" smtClean="0"/>
+          </a:p>
+          <a:p>
+            <a:r>
+              <a:rPr lang="zh-CN" altLang="en-US" sz="1400" dirty="0" smtClean="0"/>
+              <a:t>也就是说，这个字符串匹配失败的原因为</a:t>
+            </a:r>
+            <a:r>
+              <a:rPr lang="en-US" altLang="zh-CN" sz="1400" dirty="0" smtClean="0"/>
+              <a:t>:</a:t>
+            </a:r>
+            <a:r>
+              <a:rPr lang="en-US" altLang="zh-CN" sz="1400" dirty="0" err="1" smtClean="0"/>
+              <a:t>xxhe</a:t>
+            </a:r>
+            <a:r>
+              <a:rPr lang="zh-CN" altLang="en-US" sz="1400" dirty="0" smtClean="0"/>
+              <a:t>部分不符合模式。如果第二个</a:t>
+            </a:r>
+            <a:r>
+              <a:rPr lang="en-US" altLang="zh-CN" sz="1400" dirty="0" smtClean="0"/>
+              <a:t>x</a:t>
+            </a:r>
+            <a:r>
+              <a:rPr lang="zh-CN" altLang="en-US" sz="1400" dirty="0" smtClean="0"/>
+              <a:t>后面有一个空格，这个字符串就能通过匹配了。</a:t>
+            </a:r>
+            <a:endParaRPr lang="en-US" altLang="zh-CN" sz="1400" dirty="0" smtClean="0"/>
+          </a:p>
+          <a:p>
+            <a:r>
+              <a:rPr lang="en-US" altLang="zh-CN" sz="1400" dirty="0" smtClean="0"/>
+              <a:t>step3.</a:t>
+            </a:r>
+            <a:r>
+              <a:rPr lang="zh-CN" altLang="en-US" sz="1400" dirty="0" smtClean="0"/>
+              <a:t>加深理解</a:t>
+            </a:r>
+            <a:endParaRPr lang="en-US" altLang="zh-CN" sz="1400" dirty="0" smtClean="0"/>
+          </a:p>
+          <a:p>
+            <a:r>
+              <a:rPr lang="en-US" altLang="zh-CN" sz="1400" dirty="0" smtClean="0"/>
+              <a:t>\b</a:t>
+            </a:r>
+            <a:r>
+              <a:rPr lang="zh-CN" altLang="en-US" sz="1400" dirty="0" smtClean="0"/>
+              <a:t>就如同在字符和字符之间的一个</a:t>
+            </a:r>
+            <a:r>
+              <a:rPr lang="en-US" altLang="zh-CN" sz="1400" dirty="0" smtClean="0"/>
+              <a:t>|</a:t>
+            </a:r>
+            <a:r>
+              <a:rPr lang="zh-CN" altLang="en-US" sz="1400" dirty="0" smtClean="0"/>
+              <a:t>，</a:t>
+            </a:r>
+            <a:r>
+              <a:rPr lang="en-US" altLang="zh-CN" sz="1400" dirty="0" smtClean="0"/>
+              <a:t>\</a:t>
+            </a:r>
+            <a:r>
+              <a:rPr lang="en-US" altLang="zh-CN" sz="1400" dirty="0" err="1" smtClean="0"/>
+              <a:t>bhe</a:t>
+            </a:r>
+            <a:r>
+              <a:rPr lang="en-US" altLang="zh-CN" sz="1400" dirty="0" smtClean="0"/>
+              <a:t>\b</a:t>
+            </a:r>
+            <a:r>
+              <a:rPr lang="zh-CN" altLang="en-US" sz="1400" dirty="0" smtClean="0"/>
+              <a:t>就像是 </a:t>
+            </a:r>
+            <a:r>
+              <a:rPr lang="en-US" altLang="zh-CN" sz="1400" dirty="0" err="1" smtClean="0"/>
+              <a:t>xxx|he</a:t>
+            </a:r>
+            <a:r>
+              <a:rPr lang="en-US" altLang="zh-CN" sz="1400" dirty="0" smtClean="0"/>
+              <a:t>|</a:t>
+            </a:r>
+            <a:r>
+              <a:rPr lang="zh-CN" altLang="en-US" sz="1400" dirty="0" smtClean="0"/>
+              <a:t>。这里字符</a:t>
+            </a:r>
+            <a:r>
+              <a:rPr lang="en-US" altLang="zh-CN" sz="1400" dirty="0" smtClean="0"/>
+              <a:t>h</a:t>
+            </a:r>
+            <a:r>
+              <a:rPr lang="zh-CN" altLang="en-US" sz="1400" dirty="0" smtClean="0"/>
+              <a:t>前面的</a:t>
+            </a:r>
+            <a:r>
+              <a:rPr lang="en-US" altLang="zh-CN" sz="1400" dirty="0" smtClean="0"/>
+              <a:t>\b</a:t>
+            </a:r>
+            <a:r>
+              <a:rPr lang="zh-CN" altLang="en-US" sz="1400" dirty="0" smtClean="0"/>
+              <a:t>所起到的作用是</a:t>
+            </a:r>
+            <a:r>
+              <a:rPr lang="en-US" altLang="zh-CN" sz="1400" dirty="0" smtClean="0"/>
+              <a:t>:</a:t>
+            </a:r>
+          </a:p>
+          <a:p>
+            <a:r>
+              <a:rPr lang="zh-CN" altLang="en-US" sz="1400" dirty="0" smtClean="0"/>
+              <a:t>∵ </a:t>
+            </a:r>
+            <a:r>
+              <a:rPr lang="en-US" altLang="zh-CN" sz="1400" dirty="0" smtClean="0"/>
+              <a:t>\b</a:t>
+            </a:r>
+            <a:r>
+              <a:rPr lang="zh-CN" altLang="en-US" sz="1400" dirty="0" smtClean="0"/>
+              <a:t>后面已经是字符</a:t>
+            </a:r>
+            <a:r>
+              <a:rPr lang="en-US" altLang="zh-CN" sz="1400" dirty="0" smtClean="0"/>
+              <a:t>h</a:t>
+            </a:r>
+            <a:r>
+              <a:rPr lang="zh-CN" altLang="en-US" sz="1400" dirty="0" smtClean="0"/>
+              <a:t>了</a:t>
+            </a:r>
+            <a:endParaRPr lang="en-US" altLang="zh-CN" sz="1400" dirty="0"/>
+          </a:p>
+          <a:p>
+            <a:r>
+              <a:rPr lang="zh-CN" altLang="en-US" sz="1400" dirty="0" smtClean="0"/>
+              <a:t>∴ </a:t>
+            </a:r>
+            <a:r>
+              <a:rPr lang="en-US" altLang="zh-CN" sz="1400" dirty="0" smtClean="0"/>
+              <a:t>\b</a:t>
+            </a:r>
+            <a:r>
+              <a:rPr lang="zh-CN" altLang="en-US" sz="1400" dirty="0" smtClean="0"/>
+              <a:t>前面不能是数字、字母、汉字、下划线</a:t>
+            </a:r>
+            <a:endParaRPr lang="en-US" altLang="zh-CN" sz="1400" dirty="0" smtClean="0"/>
+          </a:p>
+          <a:p>
+            <a:endParaRPr lang="en-US" altLang="zh-CN" sz="1400" dirty="0" smtClean="0"/>
+          </a:p>
+        </p:txBody>
+      </p:sp>
+    </p:spTree>
+    <p:extLst>
+      <p:ext uri="{BB962C8B-B14F-4D97-AF65-F5344CB8AC3E}">
+        <p14:creationId xmlns:p14="http://schemas.microsoft.com/office/powerpoint/2010/main" val="2176059510"/>
+      </p:ext>
+    </p:extLst>
+  </p:cSld>
+  <p:clrMapOvr>
+    <a:masterClrMapping/>
+  </p:clrMapOvr>
+</p:sld>
+</file>
+
+<file path=ppt/slides/slide7.xml><?xml version="1.0" encoding="utf-8"?>
+<p:sld xmlns:a="http://schemas.openxmlformats.org/drawingml/2006/main" xmlns:r="http://schemas.openxmlformats.org/officeDocument/2006/relationships" xmlns:p="http://schemas.openxmlformats.org/presentationml/2006/main">
+  <p:cSld>
+    <p:spTree>
+      <p:nvGrpSpPr>
+        <p:cNvPr id="1" name=""/>
+        <p:cNvGrpSpPr/>
+        <p:nvPr/>
+      </p:nvGrpSpPr>
+      <p:grpSpPr>
+        <a:xfrm>
+          <a:off x="0" y="0"/>
+          <a:ext cx="0" cy="0"/>
+          <a:chOff x="0" y="0"/>
+          <a:chExt cx="0" cy="0"/>
+        </a:xfrm>
+      </p:grpSpPr>
+      <p:sp>
+        <p:nvSpPr>
+          <p:cNvPr id="2" name="标题 1"/>
+          <p:cNvSpPr>
+            <a:spLocks noGrp="1"/>
+          </p:cNvSpPr>
+          <p:nvPr>
+            <p:ph type="title"/>
           </p:nvPr>
         </p:nvSpPr>
         <p:spPr/>
@@ -8225,6 +9154,39 @@
           <a:lstStyle/>
           <a:p>
             <a:r>
+              <a:rPr lang="en-US" altLang="zh-CN" dirty="0"/>
+              <a:t>3.2.1 </a:t>
+            </a:r>
+            <a:r>
+              <a:rPr lang="zh-CN" altLang="en-US" dirty="0"/>
+              <a:t>什么是</a:t>
+            </a:r>
+            <a:r>
+              <a:rPr lang="zh-CN" altLang="en-US" dirty="0" smtClean="0"/>
+              <a:t>元字符</a:t>
+            </a:r>
+            <a:endParaRPr lang="zh-CN" altLang="en-US" dirty="0"/>
+          </a:p>
+        </p:txBody>
+      </p:sp>
+      <p:sp>
+        <p:nvSpPr>
+          <p:cNvPr id="3" name="内容占位符 2"/>
+          <p:cNvSpPr>
+            <a:spLocks noGrp="1"/>
+          </p:cNvSpPr>
+          <p:nvPr>
+            <p:ph idx="1"/>
+          </p:nvPr>
+        </p:nvSpPr>
+        <p:spPr/>
+        <p:txBody>
+          <a:bodyPr>
+            <a:normAutofit/>
+          </a:bodyPr>
+          <a:lstStyle/>
+          <a:p>
+            <a:r>
               <a:rPr lang="zh-CN" altLang="en-US" sz="1400" dirty="0" smtClean="0"/>
               <a:t>元字符（</a:t>
             </a:r>
@@ -8241,7 +9203,19 @@
           <a:p>
             <a:r>
               <a:rPr lang="zh-CN" altLang="en-US" sz="1400" dirty="0" smtClean="0"/>
-              <a:t>元字符是正则表达式中具有特殊意义的专用字符，用来规定其前导字符（即位于元字符前面的字符）在目标对象中的</a:t>
+              <a:t>元字符是正则表达式中具有特殊意义的专用字符，用来规定其</a:t>
+            </a:r>
+            <a:r>
+              <a:rPr lang="zh-CN" altLang="en-US" sz="1400" dirty="0" smtClean="0">
+                <a:solidFill>
+                  <a:srgbClr val="FF0000"/>
+                </a:solidFill>
+              </a:rPr>
+              <a:t>前导字符</a:t>
+            </a:r>
+            <a:r>
+              <a:rPr lang="zh-CN" altLang="en-US" sz="1400" dirty="0" smtClean="0"/>
+              <a:t>（即位于元字符前面的字符）在目标对象中的</a:t>
             </a:r>
             <a:r>
               <a:rPr lang="zh-CN" altLang="en-US" sz="1400" dirty="0" smtClean="0">
@@ -8382,7 +9356,7 @@
 </p:sld>
 </file>
 
-<file path=ppt/slides/slide7.xml><?xml version="1.0" encoding="utf-8"?>
+<file path=ppt/slides/slide8.xml><?xml version="1.0" encoding="utf-8"?>
 <p:sld xmlns:a="http://schemas.openxmlformats.org/drawingml/2006/main" xmlns:r="http://schemas.openxmlformats.org/officeDocument/2006/relationships" xmlns:p="http://schemas.openxmlformats.org/presentationml/2006/main">
   <p:cSld>
     <p:spTree>
@@ -8624,7 +9598,7 @@
 </p:sld>
 </file>
 
-<file path=ppt/slides/slide8.xml><?xml version="1.0" encoding="utf-8"?>
+<file path=ppt/slides/slide9.xml><?xml version="1.0" encoding="utf-8"?>
 <p:sld xmlns:a="http://schemas.openxmlformats.org/drawingml/2006/main" xmlns:r="http://schemas.openxmlformats.org/officeDocument/2006/relationships" xmlns:p="http://schemas.openxmlformats.org/presentationml/2006/main">
   <p:cSld>
     <p:spTree>
@@ -8819,242 +9793,6 @@
     <p:extLst>
       <p:ext uri="{BB962C8B-B14F-4D97-AF65-F5344CB8AC3E}">
         <p14:creationId xmlns:p14="http://schemas.microsoft.com/office/powerpoint/2010/main" val="3732406020"/>
-      </p:ext>
-    </p:extLst>
-  </p:cSld>
-  <p:clrMapOvr>
-    <a:masterClrMapping/>
-  </p:clrMapOvr>
-</p:sld>
-</file>
-
-<file path=ppt/slides/slide9.xml><?xml version="1.0" encoding="utf-8"?>
-<p:sld xmlns:a="http://schemas.openxmlformats.org/drawingml/2006/main" xmlns:r="http://schemas.openxmlformats.org/officeDocument/2006/relationships" xmlns:p="http://schemas.openxmlformats.org/presentationml/2006/main">
-  <p:cSld>
-    <p:spTree>
-      <p:nvGrpSpPr>
-        <p:cNvPr id="1" name=""/>
-        <p:cNvGrpSpPr/>
-        <p:nvPr/>
-      </p:nvGrpSpPr>
-      <p:grpSpPr>
-        <a:xfrm>
-          <a:off x="0" y="0"/>
-          <a:ext cx="0" cy="0"/>
-          <a:chOff x="0" y="0"/>
-          <a:chExt cx="0" cy="0"/>
-        </a:xfrm>
-      </p:grpSpPr>
-      <p:sp>
-        <p:nvSpPr>
-          <p:cNvPr id="2" name="标题 1"/>
-          <p:cNvSpPr>
-            <a:spLocks noGrp="1"/>
-          </p:cNvSpPr>
-          <p:nvPr>
-            <p:ph type="title"/>
-          </p:nvPr>
-        </p:nvSpPr>
-        <p:spPr/>
-        <p:txBody>
-          <a:bodyPr/>
-          <a:lstStyle/>
-          <a:p>
-            <a:r>
-              <a:rPr lang="en-US" altLang="zh-CN" dirty="0"/>
-              <a:t>3.2.1 </a:t>
-            </a:r>
-            <a:r>
-              <a:rPr lang="zh-CN" altLang="en-US" dirty="0"/>
-              <a:t>什么是元字符</a:t>
-            </a:r>
-          </a:p>
-        </p:txBody>
-      </p:sp>
-      <p:sp>
-        <p:nvSpPr>
-          <p:cNvPr id="3" name="内容占位符 2"/>
-          <p:cNvSpPr>
-            <a:spLocks noGrp="1"/>
-          </p:cNvSpPr>
-          <p:nvPr>
-            <p:ph idx="1"/>
-          </p:nvPr>
-        </p:nvSpPr>
-        <p:spPr/>
-        <p:txBody>
-          <a:bodyPr>
-            <a:normAutofit/>
-          </a:bodyPr>
-          <a:lstStyle/>
-          <a:p>
-            <a:r>
-              <a:rPr lang="en-US" altLang="zh-CN" sz="1400" b="1" dirty="0" smtClean="0"/>
-              <a:t>2) </a:t>
-            </a:r>
-            <a:r>
-              <a:rPr lang="zh-CN" altLang="en-US" sz="1400" b="1" dirty="0" smtClean="0"/>
-              <a:t>匹配</a:t>
-            </a:r>
-            <a:r>
-              <a:rPr lang="en-US" altLang="zh-CN" sz="1400" b="1" dirty="0" smtClean="0"/>
-              <a:t>1</a:t>
-            </a:r>
-            <a:r>
-              <a:rPr lang="zh-CN" altLang="en-US" sz="1400" b="1" dirty="0" smtClean="0"/>
-              <a:t>个或更多的连续数字</a:t>
-            </a:r>
-            <a:endParaRPr lang="en-US" altLang="zh-CN" sz="1400" b="1" dirty="0" smtClean="0"/>
-          </a:p>
-          <a:p>
-            <a:r>
-              <a:rPr lang="zh-CN" altLang="en-US" sz="1400" dirty="0"/>
-              <a:t>这里</a:t>
-            </a:r>
-            <a:r>
-              <a:rPr lang="zh-CN" altLang="en-US" sz="1400" dirty="0" smtClean="0"/>
-              <a:t>要介绍量词</a:t>
-            </a:r>
-            <a:r>
-              <a:rPr lang="en-US" altLang="zh-CN" sz="1400" dirty="0" smtClean="0"/>
-              <a:t>+</a:t>
-            </a:r>
-          </a:p>
-          <a:p>
-            <a:r>
-              <a:rPr lang="en-US" altLang="zh-CN" sz="1400" dirty="0" smtClean="0"/>
-              <a:t>+:</a:t>
-            </a:r>
-            <a:r>
-              <a:rPr lang="zh-CN" altLang="en-US" sz="1400" dirty="0" smtClean="0"/>
-              <a:t>匹配重复</a:t>
-            </a:r>
-            <a:r>
-              <a:rPr lang="en-US" altLang="zh-CN" sz="1400" dirty="0" smtClean="0"/>
-              <a:t>1</a:t>
-            </a:r>
-            <a:r>
-              <a:rPr lang="zh-CN" altLang="en-US" sz="1400" dirty="0" smtClean="0"/>
-              <a:t>次或多次</a:t>
-            </a:r>
-            <a:endParaRPr lang="en-US" altLang="zh-CN" sz="1400" dirty="0" smtClean="0"/>
-          </a:p>
-          <a:p>
-            <a:r>
-              <a:rPr lang="en-US" altLang="zh-CN" sz="1400" dirty="0" smtClean="0"/>
-              <a:t>*:</a:t>
-            </a:r>
-            <a:r>
-              <a:rPr lang="zh-CN" altLang="en-US" sz="1400" dirty="0" smtClean="0"/>
-              <a:t>匹配重复</a:t>
-            </a:r>
-            <a:r>
-              <a:rPr lang="en-US" altLang="zh-CN" sz="1400" dirty="0" smtClean="0"/>
-              <a:t>0</a:t>
-            </a:r>
-            <a:r>
-              <a:rPr lang="zh-CN" altLang="en-US" sz="1400" dirty="0" smtClean="0"/>
-              <a:t>次或多次</a:t>
-            </a:r>
-            <a:endParaRPr lang="en-US" altLang="zh-CN" sz="1400" dirty="0" smtClean="0"/>
-          </a:p>
-          <a:p>
-            <a:r>
-              <a:rPr lang="zh-CN" altLang="en-US" sz="1400" dirty="0" smtClean="0"/>
-              <a:t>因此，正确的表达式应为</a:t>
-            </a:r>
-            <a:r>
-              <a:rPr lang="en-US" altLang="zh-CN" sz="1400" dirty="0" smtClean="0"/>
-              <a:t>:</a:t>
-            </a:r>
-          </a:p>
-          <a:p>
-            <a:r>
-              <a:rPr lang="en-US" altLang="zh-CN" sz="1400" dirty="0" smtClean="0"/>
-              <a:t>\d+</a:t>
-            </a:r>
-          </a:p>
-          <a:p>
-            <a:r>
-              <a:rPr lang="zh-CN" altLang="en-US" sz="1400" dirty="0" smtClean="0"/>
-              <a:t>表达式和文本见</a:t>
-            </a:r>
-            <a:r>
-              <a:rPr lang="en-US" altLang="zh-CN" sz="1400" dirty="0" smtClean="0"/>
-              <a:t>regularExpression4.log</a:t>
-            </a:r>
-            <a:endParaRPr lang="zh-CN" altLang="en-US" sz="1400" dirty="0"/>
-          </a:p>
-        </p:txBody>
-      </p:sp>
-      <p:pic>
-        <p:nvPicPr>
-          <p:cNvPr id="5122" name="Picture 2"/>
-          <p:cNvPicPr>
-            <a:picLocks noChangeAspect="1" noChangeArrowheads="1"/>
-          </p:cNvPicPr>
-          <p:nvPr/>
-        </p:nvPicPr>
-        <p:blipFill>
-          <a:blip r:embed="rId2">
-            <a:extLst>
-              <a:ext uri="{28A0092B-C50C-407E-A947-70E740481C1C}">
-                <a14:useLocalDpi xmlns:a14="http://schemas.microsoft.com/office/drawing/2010/main" val="0"/>
-              </a:ext>
-            </a:extLst>
-          </a:blip>
-          <a:srcRect/>
-          <a:stretch>
-            <a:fillRect/>
-          </a:stretch>
-        </p:blipFill>
-        <p:spPr bwMode="auto">
-          <a:xfrm>
-            <a:off x="0" y="3789040"/>
-            <a:ext cx="4572000" cy="4429125"/>
-          </a:xfrm>
-          <a:prstGeom prst="rect">
-            <a:avLst/>
-          </a:prstGeom>
-          <a:noFill/>
-          <a:ln>
-            <a:noFill/>
-          </a:ln>
-          <a:effectLst/>
-          <a:extLst>
-            <a:ext uri="{909E8E84-426E-40DD-AFC4-6F175D3DCCD1}">
-              <a14:hiddenFill xmlns:a14="http://schemas.microsoft.com/office/drawing/2010/main">
-                <a:solidFill>
-                  <a:schemeClr val="accent1"/>
-                </a:solidFill>
-              </a14:hiddenFill>
-            </a:ext>
-            <a:ext uri="{91240B29-F687-4F45-9708-019B960494DF}">
-              <a14:hiddenLine xmlns:a14="http://schemas.microsoft.com/office/drawing/2010/main" w="9525">
-                <a:solidFill>
-                  <a:schemeClr val="tx1"/>
-                </a:solidFill>
-                <a:miter lim="800000"/>
-                <a:headEnd/>
-                <a:tailEnd/>
-              </a14:hiddenLine>
-            </a:ext>
-            <a:ext uri="{AF507438-7753-43E0-B8FC-AC1667EBCBE1}">
-              <a14:hiddenEffects xmlns:a14="http://schemas.microsoft.com/office/drawing/2010/main">
-                <a:effectLst>
-                  <a:outerShdw dist="35921" dir="2700000" algn="ctr" rotWithShape="0">
-                    <a:schemeClr val="bg2"/>
-                  </a:outerShdw>
-                </a:effectLst>
-              </a14:hiddenEffects>
-            </a:ext>
-          </a:extLst>
-        </p:spPr>
-      </p:pic>
-    </p:spTree>
-    <p:extLst>
-      <p:ext uri="{BB962C8B-B14F-4D97-AF65-F5344CB8AC3E}">
-        <p14:creationId xmlns:p14="http://schemas.microsoft.com/office/powerpoint/2010/main" val="2856686048"/>
       </p:ext>
     </p:extLst>
   </p:cSld>

--- a/《PHP核心技术与最佳实践》第3章--正则表达式基础与应用/3.2 正则表达式中的元字符.pptx
+++ b/《PHP核心技术与最佳实践》第3章--正则表达式基础与应用/3.2 正则表达式中的元字符.pptx
@@ -31,6 +31,8 @@
     <p:sldId id="277" r:id="rId25"/>
     <p:sldId id="278" r:id="rId26"/>
     <p:sldId id="279" r:id="rId27"/>
+    <p:sldId id="282" r:id="rId28"/>
+    <p:sldId id="283" r:id="rId29"/>
   </p:sldIdLst>
   <p:sldSz cx="9144000" cy="6858000" type="screen4x3"/>
   <p:notesSz cx="6858000" cy="9144000"/>
@@ -160,6 +162,8 @@
             <p14:sldId id="277"/>
             <p14:sldId id="278"/>
             <p14:sldId id="279"/>
+            <p14:sldId id="282"/>
+            <p14:sldId id="283"/>
           </p14:sldIdLst>
         </p14:section>
       </p14:sectionLst>
@@ -4208,11 +4212,7 @@
           <a:p>
             <a:r>
               <a:rPr lang="zh-CN" altLang="en-US" sz="1400" dirty="0" smtClean="0"/>
-              <a:t>这里</a:t>
-            </a:r>
-            <a:r>
-              <a:rPr lang="zh-CN" altLang="en-US" sz="1400" dirty="0" smtClean="0"/>
-              <a:t>重点看的是</a:t>
+              <a:t>这里重点看的是</a:t>
             </a:r>
             <a:r>
               <a:rPr lang="en-US" altLang="zh-CN" sz="1400" dirty="0" smtClean="0"/>
@@ -4244,11 +4244,7 @@
             </a:r>
             <a:r>
               <a:rPr lang="zh-CN" altLang="en-US" sz="1400" dirty="0" smtClean="0"/>
-              <a:t>为</a:t>
-            </a:r>
-            <a:r>
-              <a:rPr lang="zh-CN" altLang="en-US" sz="1400" dirty="0" smtClean="0"/>
-              <a:t>大于等于</a:t>
+              <a:t>为大于等于</a:t>
             </a:r>
             <a:r>
               <a:rPr lang="en-US" altLang="zh-CN" sz="1400" dirty="0" smtClean="0"/>
@@ -4280,11 +4276,7 @@
             </a:r>
             <a:r>
               <a:rPr lang="zh-CN" altLang="en-US" sz="1400" dirty="0" smtClean="0"/>
-              <a:t>次</a:t>
-            </a:r>
-            <a:r>
-              <a:rPr lang="zh-CN" altLang="en-US" sz="1400" dirty="0" smtClean="0"/>
-              <a:t>。当</a:t>
+              <a:t>次。当</a:t>
             </a:r>
             <a:r>
               <a:rPr lang="en-US" altLang="zh-CN" sz="1400" dirty="0" smtClean="0"/>
@@ -4296,15 +4288,7 @@
             </a:r>
             <a:r>
               <a:rPr lang="en-US" altLang="zh-CN" sz="1400" dirty="0" smtClean="0"/>
-              <a:t>{N</a:t>
-            </a:r>
-            <a:r>
-              <a:rPr lang="en-US" altLang="zh-CN" sz="1400" dirty="0" smtClean="0"/>
-              <a:t>,</a:t>
-            </a:r>
-            <a:r>
-              <a:rPr lang="en-US" altLang="zh-CN" sz="1400" dirty="0" smtClean="0"/>
-              <a:t>}</a:t>
+              <a:t>{N,}</a:t>
             </a:r>
             <a:r>
               <a:rPr lang="zh-CN" altLang="en-US" sz="1400" dirty="0" smtClean="0"/>
@@ -7950,6 +7934,551 @@
     <p:extLst>
       <p:ext uri="{BB962C8B-B14F-4D97-AF65-F5344CB8AC3E}">
         <p14:creationId xmlns:p14="http://schemas.microsoft.com/office/powerpoint/2010/main" val="1069202599"/>
+      </p:ext>
+    </p:extLst>
+  </p:cSld>
+  <p:clrMapOvr>
+    <a:masterClrMapping/>
+  </p:clrMapOvr>
+</p:sld>
+</file>
+
+<file path=ppt/slides/slide27.xml><?xml version="1.0" encoding="utf-8"?>
+<p:sld xmlns:a="http://schemas.openxmlformats.org/drawingml/2006/main" xmlns:r="http://schemas.openxmlformats.org/officeDocument/2006/relationships" xmlns:p="http://schemas.openxmlformats.org/presentationml/2006/main">
+  <p:cSld>
+    <p:spTree>
+      <p:nvGrpSpPr>
+        <p:cNvPr id="1" name=""/>
+        <p:cNvGrpSpPr/>
+        <p:nvPr/>
+      </p:nvGrpSpPr>
+      <p:grpSpPr>
+        <a:xfrm>
+          <a:off x="0" y="0"/>
+          <a:ext cx="0" cy="0"/>
+          <a:chOff x="0" y="0"/>
+          <a:chExt cx="0" cy="0"/>
+        </a:xfrm>
+      </p:grpSpPr>
+      <p:sp>
+        <p:nvSpPr>
+          <p:cNvPr id="2" name="标题 1"/>
+          <p:cNvSpPr>
+            <a:spLocks noGrp="1"/>
+          </p:cNvSpPr>
+          <p:nvPr>
+            <p:ph type="title"/>
+          </p:nvPr>
+        </p:nvSpPr>
+        <p:spPr/>
+        <p:txBody>
+          <a:bodyPr/>
+          <a:lstStyle/>
+          <a:p>
+            <a:r>
+              <a:rPr lang="en-US" altLang="zh-CN" dirty="0"/>
+              <a:t>3.2.4 </a:t>
+            </a:r>
+            <a:r>
+              <a:rPr lang="zh-CN" altLang="en-US" dirty="0"/>
+              <a:t>量词</a:t>
+            </a:r>
+          </a:p>
+        </p:txBody>
+      </p:sp>
+      <p:sp>
+        <p:nvSpPr>
+          <p:cNvPr id="3" name="内容占位符 2"/>
+          <p:cNvSpPr>
+            <a:spLocks noGrp="1"/>
+          </p:cNvSpPr>
+          <p:nvPr>
+            <p:ph idx="1"/>
+          </p:nvPr>
+        </p:nvSpPr>
+        <p:spPr/>
+        <p:txBody>
+          <a:bodyPr>
+            <a:normAutofit/>
+          </a:bodyPr>
+          <a:lstStyle/>
+          <a:p>
+            <a:r>
+              <a:rPr lang="zh-CN" altLang="en-US" sz="1400" dirty="0" smtClean="0"/>
+              <a:t>来看几个关于量词的实际需求</a:t>
+            </a:r>
+            <a:endParaRPr lang="en-US" altLang="zh-CN" sz="1400" dirty="0" smtClean="0"/>
+          </a:p>
+          <a:p>
+            <a:r>
+              <a:rPr lang="en-US" altLang="zh-CN" sz="1400" b="1" dirty="0" smtClean="0"/>
+              <a:t>1) </a:t>
+            </a:r>
+            <a:r>
+              <a:rPr lang="zh-CN" altLang="en-US" sz="1400" b="1" dirty="0" smtClean="0"/>
+              <a:t>字符串</a:t>
+            </a:r>
+            <a:r>
+              <a:rPr lang="en-US" altLang="zh-CN" sz="1400" b="1" dirty="0" smtClean="0"/>
+              <a:t>Windows</a:t>
+            </a:r>
+            <a:r>
+              <a:rPr lang="zh-CN" altLang="en-US" sz="1400" b="1" dirty="0" smtClean="0"/>
+              <a:t>后面紧跟</a:t>
+            </a:r>
+            <a:r>
+              <a:rPr lang="en-US" altLang="zh-CN" sz="1400" b="1" dirty="0" smtClean="0"/>
+              <a:t>1</a:t>
+            </a:r>
+            <a:r>
+              <a:rPr lang="zh-CN" altLang="en-US" sz="1400" b="1" dirty="0" smtClean="0"/>
+              <a:t>个或多个数字时可通过匹配</a:t>
+            </a:r>
+            <a:endParaRPr lang="en-US" altLang="zh-CN" sz="1400" b="1" dirty="0" smtClean="0"/>
+          </a:p>
+          <a:p>
+            <a:r>
+              <a:rPr lang="en-US" altLang="zh-CN" sz="1400" dirty="0"/>
+              <a:t>Windows\d{1</a:t>
+            </a:r>
+            <a:r>
+              <a:rPr lang="en-US" altLang="zh-CN" sz="1400" dirty="0" smtClean="0"/>
+              <a:t>,} </a:t>
+            </a:r>
+            <a:r>
+              <a:rPr lang="zh-CN" altLang="en-US" sz="1400" dirty="0" smtClean="0"/>
+              <a:t>或 </a:t>
+            </a:r>
+            <a:r>
+              <a:rPr lang="en-US" altLang="zh-CN" sz="1400" dirty="0" smtClean="0"/>
+              <a:t>Windows\d+</a:t>
+            </a:r>
+            <a:r>
+              <a:rPr lang="zh-CN" altLang="en-US" sz="1400" dirty="0" smtClean="0"/>
+              <a:t>均可</a:t>
+            </a:r>
+            <a:endParaRPr lang="en-US" altLang="zh-CN" sz="1400" dirty="0" smtClean="0"/>
+          </a:p>
+          <a:p>
+            <a:r>
+              <a:rPr lang="zh-CN" altLang="en-US" sz="1400" dirty="0"/>
+              <a:t>表达式和测试文本见</a:t>
+            </a:r>
+            <a:r>
+              <a:rPr lang="en-US" altLang="zh-CN" sz="1400" dirty="0" smtClean="0"/>
+              <a:t>regularExpression8.log</a:t>
+            </a:r>
+          </a:p>
+          <a:p>
+            <a:endParaRPr lang="en-US" altLang="zh-CN" sz="1400" dirty="0" smtClean="0"/>
+          </a:p>
+          <a:p>
+            <a:endParaRPr lang="zh-CN" altLang="en-US" sz="1400" dirty="0"/>
+          </a:p>
+        </p:txBody>
+      </p:sp>
+      <p:pic>
+        <p:nvPicPr>
+          <p:cNvPr id="1027" name="Picture 3"/>
+          <p:cNvPicPr>
+            <a:picLocks noChangeAspect="1" noChangeArrowheads="1"/>
+          </p:cNvPicPr>
+          <p:nvPr/>
+        </p:nvPicPr>
+        <p:blipFill>
+          <a:blip r:embed="rId2">
+            <a:extLst>
+              <a:ext uri="{28A0092B-C50C-407E-A947-70E740481C1C}">
+                <a14:useLocalDpi xmlns:a14="http://schemas.microsoft.com/office/drawing/2010/main" val="0"/>
+              </a:ext>
+            </a:extLst>
+          </a:blip>
+          <a:srcRect/>
+          <a:stretch>
+            <a:fillRect/>
+          </a:stretch>
+        </p:blipFill>
+        <p:spPr bwMode="auto">
+          <a:xfrm>
+            <a:off x="5652120" y="3173615"/>
+            <a:ext cx="5791200" cy="4724400"/>
+          </a:xfrm>
+          <a:prstGeom prst="rect">
+            <a:avLst/>
+          </a:prstGeom>
+          <a:noFill/>
+          <a:ln>
+            <a:noFill/>
+          </a:ln>
+          <a:effectLst/>
+          <a:extLst>
+            <a:ext uri="{909E8E84-426E-40DD-AFC4-6F175D3DCCD1}">
+              <a14:hiddenFill xmlns:a14="http://schemas.microsoft.com/office/drawing/2010/main">
+                <a:solidFill>
+                  <a:schemeClr val="accent1"/>
+                </a:solidFill>
+              </a14:hiddenFill>
+            </a:ext>
+            <a:ext uri="{91240B29-F687-4F45-9708-019B960494DF}">
+              <a14:hiddenLine xmlns:a14="http://schemas.microsoft.com/office/drawing/2010/main" w="9525">
+                <a:solidFill>
+                  <a:schemeClr val="tx1"/>
+                </a:solidFill>
+                <a:miter lim="800000"/>
+                <a:headEnd/>
+                <a:tailEnd/>
+              </a14:hiddenLine>
+            </a:ext>
+            <a:ext uri="{AF507438-7753-43E0-B8FC-AC1667EBCBE1}">
+              <a14:hiddenEffects xmlns:a14="http://schemas.microsoft.com/office/drawing/2010/main">
+                <a:effectLst>
+                  <a:outerShdw dist="35921" dir="2700000" algn="ctr" rotWithShape="0">
+                    <a:schemeClr val="bg2"/>
+                  </a:outerShdw>
+                </a:effectLst>
+              </a14:hiddenEffects>
+            </a:ext>
+          </a:extLst>
+        </p:spPr>
+      </p:pic>
+      <p:pic>
+        <p:nvPicPr>
+          <p:cNvPr id="1028" name="Picture 4"/>
+          <p:cNvPicPr>
+            <a:picLocks noChangeAspect="1" noChangeArrowheads="1"/>
+          </p:cNvPicPr>
+          <p:nvPr/>
+        </p:nvPicPr>
+        <p:blipFill>
+          <a:blip r:embed="rId3">
+            <a:extLst>
+              <a:ext uri="{28A0092B-C50C-407E-A947-70E740481C1C}">
+                <a14:useLocalDpi xmlns:a14="http://schemas.microsoft.com/office/drawing/2010/main" val="0"/>
+              </a:ext>
+            </a:extLst>
+          </a:blip>
+          <a:srcRect/>
+          <a:stretch>
+            <a:fillRect/>
+          </a:stretch>
+        </p:blipFill>
+        <p:spPr bwMode="auto">
+          <a:xfrm>
+            <a:off x="0" y="3140968"/>
+            <a:ext cx="5791200" cy="4724400"/>
+          </a:xfrm>
+          <a:prstGeom prst="rect">
+            <a:avLst/>
+          </a:prstGeom>
+          <a:noFill/>
+          <a:ln>
+            <a:noFill/>
+          </a:ln>
+          <a:effectLst/>
+          <a:extLst>
+            <a:ext uri="{909E8E84-426E-40DD-AFC4-6F175D3DCCD1}">
+              <a14:hiddenFill xmlns:a14="http://schemas.microsoft.com/office/drawing/2010/main">
+                <a:solidFill>
+                  <a:schemeClr val="accent1"/>
+                </a:solidFill>
+              </a14:hiddenFill>
+            </a:ext>
+            <a:ext uri="{91240B29-F687-4F45-9708-019B960494DF}">
+              <a14:hiddenLine xmlns:a14="http://schemas.microsoft.com/office/drawing/2010/main" w="9525">
+                <a:solidFill>
+                  <a:schemeClr val="tx1"/>
+                </a:solidFill>
+                <a:miter lim="800000"/>
+                <a:headEnd/>
+                <a:tailEnd/>
+              </a14:hiddenLine>
+            </a:ext>
+            <a:ext uri="{AF507438-7753-43E0-B8FC-AC1667EBCBE1}">
+              <a14:hiddenEffects xmlns:a14="http://schemas.microsoft.com/office/drawing/2010/main">
+                <a:effectLst>
+                  <a:outerShdw dist="35921" dir="2700000" algn="ctr" rotWithShape="0">
+                    <a:schemeClr val="bg2"/>
+                  </a:outerShdw>
+                </a:effectLst>
+              </a14:hiddenEffects>
+            </a:ext>
+          </a:extLst>
+        </p:spPr>
+      </p:pic>
+    </p:spTree>
+    <p:extLst>
+      <p:ext uri="{BB962C8B-B14F-4D97-AF65-F5344CB8AC3E}">
+        <p14:creationId xmlns:p14="http://schemas.microsoft.com/office/powerpoint/2010/main" val="2213923134"/>
+      </p:ext>
+    </p:extLst>
+  </p:cSld>
+  <p:clrMapOvr>
+    <a:masterClrMapping/>
+  </p:clrMapOvr>
+</p:sld>
+</file>
+
+<file path=ppt/slides/slide28.xml><?xml version="1.0" encoding="utf-8"?>
+<p:sld xmlns:a="http://schemas.openxmlformats.org/drawingml/2006/main" xmlns:r="http://schemas.openxmlformats.org/officeDocument/2006/relationships" xmlns:p="http://schemas.openxmlformats.org/presentationml/2006/main">
+  <p:cSld>
+    <p:spTree>
+      <p:nvGrpSpPr>
+        <p:cNvPr id="1" name=""/>
+        <p:cNvGrpSpPr/>
+        <p:nvPr/>
+      </p:nvGrpSpPr>
+      <p:grpSpPr>
+        <a:xfrm>
+          <a:off x="0" y="0"/>
+          <a:ext cx="0" cy="0"/>
+          <a:chOff x="0" y="0"/>
+          <a:chExt cx="0" cy="0"/>
+        </a:xfrm>
+      </p:grpSpPr>
+      <p:sp>
+        <p:nvSpPr>
+          <p:cNvPr id="2" name="标题 1"/>
+          <p:cNvSpPr>
+            <a:spLocks noGrp="1"/>
+          </p:cNvSpPr>
+          <p:nvPr>
+            <p:ph type="title"/>
+          </p:nvPr>
+        </p:nvSpPr>
+        <p:spPr/>
+        <p:txBody>
+          <a:bodyPr/>
+          <a:lstStyle/>
+          <a:p>
+            <a:r>
+              <a:rPr lang="en-US" altLang="zh-CN" dirty="0"/>
+              <a:t>3.2.4 </a:t>
+            </a:r>
+            <a:r>
+              <a:rPr lang="zh-CN" altLang="en-US" dirty="0"/>
+              <a:t>量词</a:t>
+            </a:r>
+          </a:p>
+        </p:txBody>
+      </p:sp>
+      <p:sp>
+        <p:nvSpPr>
+          <p:cNvPr id="3" name="内容占位符 2"/>
+          <p:cNvSpPr>
+            <a:spLocks noGrp="1"/>
+          </p:cNvSpPr>
+          <p:nvPr>
+            <p:ph idx="1"/>
+          </p:nvPr>
+        </p:nvSpPr>
+        <p:spPr/>
+        <p:txBody>
+          <a:bodyPr>
+            <a:normAutofit/>
+          </a:bodyPr>
+          <a:lstStyle/>
+          <a:p>
+            <a:r>
+              <a:rPr lang="en-US" altLang="zh-CN" sz="1400" b="1" dirty="0" smtClean="0"/>
+              <a:t>2) </a:t>
+            </a:r>
+            <a:r>
+              <a:rPr lang="zh-CN" altLang="en-US" sz="1400" b="1" dirty="0" smtClean="0"/>
+              <a:t>字符串</a:t>
+            </a:r>
+            <a:r>
+              <a:rPr lang="en-US" altLang="zh-CN" sz="1400" b="1" dirty="0" smtClean="0"/>
+              <a:t>index</a:t>
+            </a:r>
+            <a:r>
+              <a:rPr lang="zh-CN" altLang="en-US" sz="1400" b="1" dirty="0" smtClean="0"/>
+              <a:t>后面紧跟</a:t>
+            </a:r>
+            <a:r>
+              <a:rPr lang="en-US" altLang="zh-CN" sz="1400" b="1" dirty="0" smtClean="0"/>
+              <a:t>0</a:t>
+            </a:r>
+            <a:r>
+              <a:rPr lang="zh-CN" altLang="en-US" sz="1400" b="1" dirty="0" smtClean="0"/>
+              <a:t>个或</a:t>
+            </a:r>
+            <a:r>
+              <a:rPr lang="en-US" altLang="zh-CN" sz="1400" b="1" dirty="0" smtClean="0"/>
+              <a:t>1</a:t>
+            </a:r>
+            <a:r>
+              <a:rPr lang="zh-CN" altLang="en-US" sz="1400" b="1" dirty="0" smtClean="0"/>
+              <a:t>个数字时</a:t>
+            </a:r>
+            <a:r>
+              <a:rPr lang="zh-CN" altLang="en-US" sz="1400" b="1" dirty="0"/>
+              <a:t>可通过</a:t>
+            </a:r>
+            <a:r>
+              <a:rPr lang="zh-CN" altLang="en-US" sz="1400" b="1" dirty="0" smtClean="0"/>
+              <a:t>匹配</a:t>
+            </a:r>
+            <a:endParaRPr lang="en-US" altLang="zh-CN" sz="1400" b="1" dirty="0" smtClean="0"/>
+          </a:p>
+          <a:p>
+            <a:r>
+              <a:rPr lang="en-US" altLang="zh-CN" sz="1400" dirty="0" smtClean="0"/>
+              <a:t>index/d{0,1} $</a:t>
+            </a:r>
+            <a:r>
+              <a:rPr lang="zh-CN" altLang="en-US" sz="1400" dirty="0" smtClean="0"/>
+              <a:t>或 </a:t>
+            </a:r>
+            <a:r>
+              <a:rPr lang="en-US" altLang="zh-CN" sz="1400" dirty="0" smtClean="0"/>
+              <a:t>index/d?$</a:t>
+            </a:r>
+          </a:p>
+          <a:p>
+            <a:r>
+              <a:rPr lang="zh-CN" altLang="en-US" sz="1400" dirty="0" smtClean="0"/>
+              <a:t>表达式和测试文本见</a:t>
+            </a:r>
+            <a:r>
+              <a:rPr lang="en-US" altLang="zh-CN" sz="1400" dirty="0" smtClean="0"/>
+              <a:t>regularExpression9.log</a:t>
+            </a:r>
+            <a:endParaRPr lang="en-US" altLang="zh-CN" sz="1400" dirty="0"/>
+          </a:p>
+        </p:txBody>
+      </p:sp>
+      <p:pic>
+        <p:nvPicPr>
+          <p:cNvPr id="2051" name="Picture 3"/>
+          <p:cNvPicPr>
+            <a:picLocks noChangeAspect="1" noChangeArrowheads="1"/>
+          </p:cNvPicPr>
+          <p:nvPr/>
+        </p:nvPicPr>
+        <p:blipFill>
+          <a:blip r:embed="rId2">
+            <a:extLst>
+              <a:ext uri="{28A0092B-C50C-407E-A947-70E740481C1C}">
+                <a14:useLocalDpi xmlns:a14="http://schemas.microsoft.com/office/drawing/2010/main" val="0"/>
+              </a:ext>
+            </a:extLst>
+          </a:blip>
+          <a:srcRect/>
+          <a:stretch>
+            <a:fillRect/>
+          </a:stretch>
+        </p:blipFill>
+        <p:spPr bwMode="auto">
+          <a:xfrm>
+            <a:off x="13483" y="2564904"/>
+            <a:ext cx="5791200" cy="4724400"/>
+          </a:xfrm>
+          <a:prstGeom prst="rect">
+            <a:avLst/>
+          </a:prstGeom>
+          <a:noFill/>
+          <a:ln>
+            <a:noFill/>
+          </a:ln>
+          <a:effectLst/>
+          <a:extLst>
+            <a:ext uri="{909E8E84-426E-40DD-AFC4-6F175D3DCCD1}">
+              <a14:hiddenFill xmlns:a14="http://schemas.microsoft.com/office/drawing/2010/main">
+                <a:solidFill>
+                  <a:schemeClr val="accent1"/>
+                </a:solidFill>
+              </a14:hiddenFill>
+            </a:ext>
+            <a:ext uri="{91240B29-F687-4F45-9708-019B960494DF}">
+              <a14:hiddenLine xmlns:a14="http://schemas.microsoft.com/office/drawing/2010/main" w="9525">
+                <a:solidFill>
+                  <a:schemeClr val="tx1"/>
+                </a:solidFill>
+                <a:miter lim="800000"/>
+                <a:headEnd/>
+                <a:tailEnd/>
+              </a14:hiddenLine>
+            </a:ext>
+            <a:ext uri="{AF507438-7753-43E0-B8FC-AC1667EBCBE1}">
+              <a14:hiddenEffects xmlns:a14="http://schemas.microsoft.com/office/drawing/2010/main">
+                <a:effectLst>
+                  <a:outerShdw dist="35921" dir="2700000" algn="ctr" rotWithShape="0">
+                    <a:schemeClr val="bg2"/>
+                  </a:outerShdw>
+                </a:effectLst>
+              </a14:hiddenEffects>
+            </a:ext>
+          </a:extLst>
+        </p:spPr>
+      </p:pic>
+      <p:pic>
+        <p:nvPicPr>
+          <p:cNvPr id="2052" name="Picture 4"/>
+          <p:cNvPicPr>
+            <a:picLocks noChangeAspect="1" noChangeArrowheads="1"/>
+          </p:cNvPicPr>
+          <p:nvPr/>
+        </p:nvPicPr>
+        <p:blipFill>
+          <a:blip r:embed="rId3">
+            <a:extLst>
+              <a:ext uri="{28A0092B-C50C-407E-A947-70E740481C1C}">
+                <a14:useLocalDpi xmlns:a14="http://schemas.microsoft.com/office/drawing/2010/main" val="0"/>
+              </a:ext>
+            </a:extLst>
+          </a:blip>
+          <a:srcRect/>
+          <a:stretch>
+            <a:fillRect/>
+          </a:stretch>
+        </p:blipFill>
+        <p:spPr bwMode="auto">
+          <a:xfrm>
+            <a:off x="5804683" y="2564904"/>
+            <a:ext cx="5791200" cy="4724400"/>
+          </a:xfrm>
+          <a:prstGeom prst="rect">
+            <a:avLst/>
+          </a:prstGeom>
+          <a:noFill/>
+          <a:ln>
+            <a:noFill/>
+          </a:ln>
+          <a:effectLst/>
+          <a:extLst>
+            <a:ext uri="{909E8E84-426E-40DD-AFC4-6F175D3DCCD1}">
+              <a14:hiddenFill xmlns:a14="http://schemas.microsoft.com/office/drawing/2010/main">
+                <a:solidFill>
+                  <a:schemeClr val="accent1"/>
+                </a:solidFill>
+              </a14:hiddenFill>
+            </a:ext>
+            <a:ext uri="{91240B29-F687-4F45-9708-019B960494DF}">
+              <a14:hiddenLine xmlns:a14="http://schemas.microsoft.com/office/drawing/2010/main" w="9525">
+                <a:solidFill>
+                  <a:schemeClr val="tx1"/>
+                </a:solidFill>
+                <a:miter lim="800000"/>
+                <a:headEnd/>
+                <a:tailEnd/>
+              </a14:hiddenLine>
+            </a:ext>
+            <a:ext uri="{AF507438-7753-43E0-B8FC-AC1667EBCBE1}">
+              <a14:hiddenEffects xmlns:a14="http://schemas.microsoft.com/office/drawing/2010/main">
+                <a:effectLst>
+                  <a:outerShdw dist="35921" dir="2700000" algn="ctr" rotWithShape="0">
+                    <a:schemeClr val="bg2"/>
+                  </a:outerShdw>
+                </a:effectLst>
+              </a14:hiddenEffects>
+            </a:ext>
+          </a:extLst>
+        </p:spPr>
+      </p:pic>
+    </p:spTree>
+    <p:extLst>
+      <p:ext uri="{BB962C8B-B14F-4D97-AF65-F5344CB8AC3E}">
+        <p14:creationId xmlns:p14="http://schemas.microsoft.com/office/powerpoint/2010/main" val="1347649562"/>
       </p:ext>
     </p:extLst>
   </p:cSld>
